--- a/paper/Apresentação MonetDB v2.pptx
+++ b/paper/Apresentação MonetDB v2.pptx
@@ -5,7 +5,7 @@
     <p:sldMasterId id="2147483648" r:id="rId1"/>
   </p:sldMasterIdLst>
   <p:notesMasterIdLst>
-    <p:notesMasterId r:id="rId24"/>
+    <p:notesMasterId r:id="rId20"/>
   </p:notesMasterIdLst>
   <p:sldIdLst>
     <p:sldId id="258" r:id="rId2"/>
@@ -26,10 +26,6 @@
     <p:sldId id="273" r:id="rId17"/>
     <p:sldId id="276" r:id="rId18"/>
     <p:sldId id="275" r:id="rId19"/>
-    <p:sldId id="260" r:id="rId20"/>
-    <p:sldId id="256" r:id="rId21"/>
-    <p:sldId id="257" r:id="rId22"/>
-    <p:sldId id="261" r:id="rId23"/>
   </p:sldIdLst>
   <p:sldSz cx="12192000" cy="6858000"/>
   <p:notesSz cx="6858000" cy="9144000"/>
@@ -659,146 +655,6 @@
     <p:extLst>
       <p:ext uri="{BB962C8B-B14F-4D97-AF65-F5344CB8AC3E}">
         <p14:creationId xmlns:p14="http://schemas.microsoft.com/office/powerpoint/2010/main" val="2857803910"/>
-      </p:ext>
-    </p:extLst>
-  </p:cSld>
-  <p:clrMapOvr>
-    <a:masterClrMapping/>
-  </p:clrMapOvr>
-</p:notes>
-</file>
-
-<file path=ppt/notesSlides/notesSlide3.xml><?xml version="1.0" encoding="utf-8"?>
-<p:notes xmlns:a="http://schemas.openxmlformats.org/drawingml/2006/main" xmlns:r="http://schemas.openxmlformats.org/officeDocument/2006/relationships" xmlns:p="http://schemas.openxmlformats.org/presentationml/2006/main">
-  <p:cSld>
-    <p:spTree>
-      <p:nvGrpSpPr>
-        <p:cNvPr id="1" name=""/>
-        <p:cNvGrpSpPr/>
-        <p:nvPr/>
-      </p:nvGrpSpPr>
-      <p:grpSpPr>
-        <a:xfrm>
-          <a:off x="0" y="0"/>
-          <a:ext cx="0" cy="0"/>
-          <a:chOff x="0" y="0"/>
-          <a:chExt cx="0" cy="0"/>
-        </a:xfrm>
-      </p:grpSpPr>
-      <p:sp>
-        <p:nvSpPr>
-          <p:cNvPr id="2" name="Espaço Reservado para Imagem de Slide 1"/>
-          <p:cNvSpPr>
-            <a:spLocks noGrp="1" noRot="1" noChangeAspect="1"/>
-          </p:cNvSpPr>
-          <p:nvPr>
-            <p:ph type="sldImg"/>
-          </p:nvPr>
-        </p:nvSpPr>
-        <p:spPr/>
-      </p:sp>
-      <p:sp>
-        <p:nvSpPr>
-          <p:cNvPr id="3" name="Espaço Reservado para Anotações 2"/>
-          <p:cNvSpPr>
-            <a:spLocks noGrp="1"/>
-          </p:cNvSpPr>
-          <p:nvPr>
-            <p:ph type="body" idx="1"/>
-          </p:nvPr>
-        </p:nvSpPr>
-        <p:spPr/>
-        <p:txBody>
-          <a:bodyPr/>
-          <a:lstStyle/>
-          <a:p>
-            <a:r>
-              <a:rPr lang="pt-BR" dirty="0" err="1"/>
-              <a:t>Spark</a:t>
-            </a:r>
-            <a:r>
-              <a:rPr lang="pt-BR" dirty="0"/>
-              <a:t> – ETL dos dados</a:t>
-            </a:r>
-          </a:p>
-          <a:p>
-            <a:r>
-              <a:rPr lang="pt-BR" dirty="0"/>
-              <a:t>Python – extração e transformação – junto com </a:t>
-            </a:r>
-            <a:r>
-              <a:rPr lang="pt-BR" dirty="0" err="1"/>
-              <a:t>spark</a:t>
-            </a:r>
-            <a:endParaRPr lang="pt-BR" dirty="0"/>
-          </a:p>
-          <a:p>
-            <a:r>
-              <a:rPr lang="pt-BR" dirty="0" err="1"/>
-              <a:t>Bash</a:t>
-            </a:r>
-            <a:r>
-              <a:rPr lang="pt-BR" dirty="0"/>
-              <a:t> – carregamento</a:t>
-            </a:r>
-          </a:p>
-          <a:p>
-            <a:r>
-              <a:rPr lang="pt-BR" dirty="0" err="1"/>
-              <a:t>Git</a:t>
-            </a:r>
-            <a:r>
-              <a:rPr lang="pt-BR" dirty="0"/>
-              <a:t> – guardar o código fonte da pesquisa</a:t>
-            </a:r>
-          </a:p>
-          <a:p>
-            <a:r>
-              <a:rPr lang="pt-BR" dirty="0"/>
-              <a:t>Monet – banco de dados</a:t>
-            </a:r>
-          </a:p>
-          <a:p>
-            <a:r>
-              <a:rPr lang="pt-BR" dirty="0"/>
-              <a:t>Docker – criar os clusters</a:t>
-            </a:r>
-          </a:p>
-          <a:p>
-            <a:r>
-              <a:rPr lang="pt-BR" dirty="0"/>
-              <a:t>R – análises estatísticas</a:t>
-            </a:r>
-          </a:p>
-        </p:txBody>
-      </p:sp>
-      <p:sp>
-        <p:nvSpPr>
-          <p:cNvPr id="4" name="Espaço Reservado para Número de Slide 3"/>
-          <p:cNvSpPr>
-            <a:spLocks noGrp="1"/>
-          </p:cNvSpPr>
-          <p:nvPr>
-            <p:ph type="sldNum" sz="quarter" idx="10"/>
-          </p:nvPr>
-        </p:nvSpPr>
-        <p:spPr/>
-        <p:txBody>
-          <a:bodyPr/>
-          <a:lstStyle/>
-          <a:p>
-            <a:fld id="{E90A7DE7-80CE-4373-9B71-7CDFE5EE6A03}" type="slidenum">
-              <a:rPr lang="pt-BR" smtClean="0"/>
-              <a:t>19</a:t>
-            </a:fld>
-            <a:endParaRPr lang="pt-BR"/>
-          </a:p>
-        </p:txBody>
-      </p:sp>
-    </p:spTree>
-    <p:extLst>
-      <p:ext uri="{BB962C8B-B14F-4D97-AF65-F5344CB8AC3E}">
-        <p14:creationId xmlns:p14="http://schemas.microsoft.com/office/powerpoint/2010/main" val="1354415732"/>
       </p:ext>
     </p:extLst>
   </p:cSld>
@@ -7512,311 +7368,6 @@
 </p:sld>
 </file>
 
-<file path=ppt/slides/slide19.xml><?xml version="1.0" encoding="utf-8"?>
-<p:sld xmlns:a="http://schemas.openxmlformats.org/drawingml/2006/main" xmlns:r="http://schemas.openxmlformats.org/officeDocument/2006/relationships" xmlns:p="http://schemas.openxmlformats.org/presentationml/2006/main" show="0">
-  <p:cSld>
-    <p:spTree>
-      <p:nvGrpSpPr>
-        <p:cNvPr id="1" name=""/>
-        <p:cNvGrpSpPr/>
-        <p:nvPr/>
-      </p:nvGrpSpPr>
-      <p:grpSpPr>
-        <a:xfrm>
-          <a:off x="0" y="0"/>
-          <a:ext cx="0" cy="0"/>
-          <a:chOff x="0" y="0"/>
-          <a:chExt cx="0" cy="0"/>
-        </a:xfrm>
-      </p:grpSpPr>
-      <p:sp>
-        <p:nvSpPr>
-          <p:cNvPr id="3" name="CaixaDeTexto 2"/>
-          <p:cNvSpPr txBox="1"/>
-          <p:nvPr/>
-        </p:nvSpPr>
-        <p:spPr>
-          <a:xfrm>
-            <a:off x="508000" y="246743"/>
-            <a:ext cx="2661754" cy="369332"/>
-          </a:xfrm>
-          <a:prstGeom prst="rect">
-            <a:avLst/>
-          </a:prstGeom>
-          <a:noFill/>
-        </p:spPr>
-        <p:txBody>
-          <a:bodyPr wrap="none" rtlCol="0">
-            <a:spAutoFit/>
-          </a:bodyPr>
-          <a:lstStyle/>
-          <a:p>
-            <a:r>
-              <a:rPr lang="pt-BR" dirty="0"/>
-              <a:t>TECNOLOGIAS UTILIZADAS</a:t>
-            </a:r>
-          </a:p>
-        </p:txBody>
-      </p:sp>
-      <p:pic>
-        <p:nvPicPr>
-          <p:cNvPr id="65" name="Picture 2" descr="Resultado de imagem para monetdb"/>
-          <p:cNvPicPr>
-            <a:picLocks noChangeAspect="1" noChangeArrowheads="1"/>
-          </p:cNvPicPr>
-          <p:nvPr/>
-        </p:nvPicPr>
-        <p:blipFill>
-          <a:blip r:embed="rId3">
-            <a:extLst>
-              <a:ext uri="{28A0092B-C50C-407E-A947-70E740481C1C}">
-                <a14:useLocalDpi xmlns:a14="http://schemas.microsoft.com/office/drawing/2010/main" val="0"/>
-              </a:ext>
-            </a:extLst>
-          </a:blip>
-          <a:srcRect/>
-          <a:stretch>
-            <a:fillRect/>
-          </a:stretch>
-        </p:blipFill>
-        <p:spPr bwMode="auto">
-          <a:xfrm>
-            <a:off x="14123149" y="-427088"/>
-            <a:ext cx="2472953" cy="1043163"/>
-          </a:xfrm>
-          <a:prstGeom prst="rect">
-            <a:avLst/>
-          </a:prstGeom>
-          <a:noFill/>
-          <a:extLst>
-            <a:ext uri="{909E8E84-426E-40DD-AFC4-6F175D3DCCD1}">
-              <a14:hiddenFill xmlns:a14="http://schemas.microsoft.com/office/drawing/2010/main">
-                <a:solidFill>
-                  <a:srgbClr val="FFFFFF"/>
-                </a:solidFill>
-              </a14:hiddenFill>
-            </a:ext>
-          </a:extLst>
-        </p:spPr>
-      </p:pic>
-      <p:pic>
-        <p:nvPicPr>
-          <p:cNvPr id="67" name="Picture 6" descr="Resultado de imagem para spark"/>
-          <p:cNvPicPr>
-            <a:picLocks noChangeAspect="1" noChangeArrowheads="1"/>
-          </p:cNvPicPr>
-          <p:nvPr/>
-        </p:nvPicPr>
-        <p:blipFill>
-          <a:blip r:embed="rId4">
-            <a:extLst>
-              <a:ext uri="{28A0092B-C50C-407E-A947-70E740481C1C}">
-                <a14:useLocalDpi xmlns:a14="http://schemas.microsoft.com/office/drawing/2010/main" val="0"/>
-              </a:ext>
-            </a:extLst>
-          </a:blip>
-          <a:srcRect/>
-          <a:stretch>
-            <a:fillRect/>
-          </a:stretch>
-        </p:blipFill>
-        <p:spPr bwMode="auto">
-          <a:xfrm>
-            <a:off x="302274" y="1321210"/>
-            <a:ext cx="1456288" cy="774621"/>
-          </a:xfrm>
-          <a:prstGeom prst="rect">
-            <a:avLst/>
-          </a:prstGeom>
-          <a:noFill/>
-          <a:extLst>
-            <a:ext uri="{909E8E84-426E-40DD-AFC4-6F175D3DCCD1}">
-              <a14:hiddenFill xmlns:a14="http://schemas.microsoft.com/office/drawing/2010/main">
-                <a:solidFill>
-                  <a:srgbClr val="FFFFFF"/>
-                </a:solidFill>
-              </a14:hiddenFill>
-            </a:ext>
-          </a:extLst>
-        </p:spPr>
-      </p:pic>
-      <p:pic>
-        <p:nvPicPr>
-          <p:cNvPr id="68" name="Picture 8" descr="Resultado de imagem para R"/>
-          <p:cNvPicPr>
-            <a:picLocks noChangeAspect="1" noChangeArrowheads="1"/>
-          </p:cNvPicPr>
-          <p:nvPr/>
-        </p:nvPicPr>
-        <p:blipFill>
-          <a:blip r:embed="rId5">
-            <a:extLst>
-              <a:ext uri="{28A0092B-C50C-407E-A947-70E740481C1C}">
-                <a14:useLocalDpi xmlns:a14="http://schemas.microsoft.com/office/drawing/2010/main" val="0"/>
-              </a:ext>
-            </a:extLst>
-          </a:blip>
-          <a:srcRect/>
-          <a:stretch>
-            <a:fillRect/>
-          </a:stretch>
-        </p:blipFill>
-        <p:spPr bwMode="auto">
-          <a:xfrm>
-            <a:off x="6511517" y="4581377"/>
-            <a:ext cx="2381250" cy="2381250"/>
-          </a:xfrm>
-          <a:prstGeom prst="rect">
-            <a:avLst/>
-          </a:prstGeom>
-          <a:noFill/>
-          <a:extLst>
-            <a:ext uri="{909E8E84-426E-40DD-AFC4-6F175D3DCCD1}">
-              <a14:hiddenFill xmlns:a14="http://schemas.microsoft.com/office/drawing/2010/main">
-                <a:solidFill>
-                  <a:srgbClr val="FFFFFF"/>
-                </a:solidFill>
-              </a14:hiddenFill>
-            </a:ext>
-          </a:extLst>
-        </p:spPr>
-      </p:pic>
-      <p:pic>
-        <p:nvPicPr>
-          <p:cNvPr id="69" name="Picture 10" descr="Resultado de imagem para github"/>
-          <p:cNvPicPr>
-            <a:picLocks noChangeAspect="1" noChangeArrowheads="1"/>
-          </p:cNvPicPr>
-          <p:nvPr/>
-        </p:nvPicPr>
-        <p:blipFill>
-          <a:blip r:embed="rId6">
-            <a:extLst>
-              <a:ext uri="{28A0092B-C50C-407E-A947-70E740481C1C}">
-                <a14:useLocalDpi xmlns:a14="http://schemas.microsoft.com/office/drawing/2010/main" val="0"/>
-              </a:ext>
-            </a:extLst>
-          </a:blip>
-          <a:srcRect/>
-          <a:stretch>
-            <a:fillRect/>
-          </a:stretch>
-        </p:blipFill>
-        <p:spPr bwMode="auto">
-          <a:xfrm>
-            <a:off x="9906471" y="-534748"/>
-            <a:ext cx="4216678" cy="1562982"/>
-          </a:xfrm>
-          <a:prstGeom prst="rect">
-            <a:avLst/>
-          </a:prstGeom>
-          <a:noFill/>
-          <a:extLst>
-            <a:ext uri="{909E8E84-426E-40DD-AFC4-6F175D3DCCD1}">
-              <a14:hiddenFill xmlns:a14="http://schemas.microsoft.com/office/drawing/2010/main">
-                <a:solidFill>
-                  <a:srgbClr val="FFFFFF"/>
-                </a:solidFill>
-              </a14:hiddenFill>
-            </a:ext>
-          </a:extLst>
-        </p:spPr>
-      </p:pic>
-      <p:pic>
-        <p:nvPicPr>
-          <p:cNvPr id="70" name="Picture 12" descr="Resultado de imagem para bash"/>
-          <p:cNvPicPr>
-            <a:picLocks noChangeAspect="1" noChangeArrowheads="1"/>
-          </p:cNvPicPr>
-          <p:nvPr/>
-        </p:nvPicPr>
-        <p:blipFill>
-          <a:blip r:embed="rId7">
-            <a:extLst>
-              <a:ext uri="{28A0092B-C50C-407E-A947-70E740481C1C}">
-                <a14:useLocalDpi xmlns:a14="http://schemas.microsoft.com/office/drawing/2010/main" val="0"/>
-              </a:ext>
-            </a:extLst>
-          </a:blip>
-          <a:srcRect/>
-          <a:stretch>
-            <a:fillRect/>
-          </a:stretch>
-        </p:blipFill>
-        <p:spPr bwMode="auto">
-          <a:xfrm>
-            <a:off x="7702142" y="3982064"/>
-            <a:ext cx="1782656" cy="749095"/>
-          </a:xfrm>
-          <a:prstGeom prst="rect">
-            <a:avLst/>
-          </a:prstGeom>
-          <a:noFill/>
-          <a:extLst>
-            <a:ext uri="{909E8E84-426E-40DD-AFC4-6F175D3DCCD1}">
-              <a14:hiddenFill xmlns:a14="http://schemas.microsoft.com/office/drawing/2010/main">
-                <a:solidFill>
-                  <a:srgbClr val="FFFFFF"/>
-                </a:solidFill>
-              </a14:hiddenFill>
-            </a:ext>
-          </a:extLst>
-        </p:spPr>
-      </p:pic>
-      <p:pic>
-        <p:nvPicPr>
-          <p:cNvPr id="71" name="Picture 14" descr="Resultado de imagem para python"/>
-          <p:cNvPicPr>
-            <a:picLocks noChangeAspect="1" noChangeArrowheads="1"/>
-          </p:cNvPicPr>
-          <p:nvPr/>
-        </p:nvPicPr>
-        <p:blipFill>
-          <a:blip r:embed="rId8">
-            <a:extLst>
-              <a:ext uri="{28A0092B-C50C-407E-A947-70E740481C1C}">
-                <a14:useLocalDpi xmlns:a14="http://schemas.microsoft.com/office/drawing/2010/main" val="0"/>
-              </a:ext>
-            </a:extLst>
-          </a:blip>
-          <a:srcRect/>
-          <a:stretch>
-            <a:fillRect/>
-          </a:stretch>
-        </p:blipFill>
-        <p:spPr bwMode="auto">
-          <a:xfrm>
-            <a:off x="2005885" y="1483759"/>
-            <a:ext cx="2327737" cy="786241"/>
-          </a:xfrm>
-          <a:prstGeom prst="rect">
-            <a:avLst/>
-          </a:prstGeom>
-          <a:noFill/>
-          <a:extLst>
-            <a:ext uri="{909E8E84-426E-40DD-AFC4-6F175D3DCCD1}">
-              <a14:hiddenFill xmlns:a14="http://schemas.microsoft.com/office/drawing/2010/main">
-                <a:solidFill>
-                  <a:srgbClr val="FFFFFF"/>
-                </a:solidFill>
-              </a14:hiddenFill>
-            </a:ext>
-          </a:extLst>
-        </p:spPr>
-      </p:pic>
-    </p:spTree>
-    <p:extLst>
-      <p:ext uri="{BB962C8B-B14F-4D97-AF65-F5344CB8AC3E}">
-        <p14:creationId xmlns:p14="http://schemas.microsoft.com/office/powerpoint/2010/main" val="1359746574"/>
-      </p:ext>
-    </p:extLst>
-  </p:cSld>
-  <p:clrMapOvr>
-    <a:masterClrMapping/>
-  </p:clrMapOvr>
-</p:sld>
-</file>
-
 <file path=ppt/slides/slide2.xml><?xml version="1.0" encoding="utf-8"?>
 <p:sld xmlns:a="http://schemas.openxmlformats.org/drawingml/2006/main" xmlns:r="http://schemas.openxmlformats.org/officeDocument/2006/relationships" xmlns:p="http://schemas.openxmlformats.org/presentationml/2006/main">
   <p:cSld>
@@ -7888,25 +7439,6 @@
                   </a:schemeClr>
                 </a:solidFill>
               </a:rPr>
-              <a:t>Trabalhos relacionados</a:t>
-            </a:r>
-          </a:p>
-          <a:p>
-            <a:pPr marL="285750" indent="-285750">
-              <a:lnSpc>
-                <a:spcPct val="200000"/>
-              </a:lnSpc>
-              <a:buFont typeface="Arial" panose="020B0604020202020204" pitchFamily="34" charset="0"/>
-              <a:buChar char="•"/>
-            </a:pPr>
-            <a:r>
-              <a:rPr lang="pt-BR" dirty="0">
-                <a:solidFill>
-                  <a:schemeClr val="bg1">
-                    <a:lumMod val="50000"/>
-                  </a:schemeClr>
-                </a:solidFill>
-              </a:rPr>
               <a:t>Metodologia</a:t>
             </a:r>
           </a:p>
@@ -8016,1351 +7548,6 @@
     <p:extLst>
       <p:ext uri="{BB962C8B-B14F-4D97-AF65-F5344CB8AC3E}">
         <p14:creationId xmlns:p14="http://schemas.microsoft.com/office/powerpoint/2010/main" val="1180831128"/>
-      </p:ext>
-    </p:extLst>
-  </p:cSld>
-  <p:clrMapOvr>
-    <a:masterClrMapping/>
-  </p:clrMapOvr>
-</p:sld>
-</file>
-
-<file path=ppt/slides/slide20.xml><?xml version="1.0" encoding="utf-8"?>
-<p:sld xmlns:a="http://schemas.openxmlformats.org/drawingml/2006/main" xmlns:r="http://schemas.openxmlformats.org/officeDocument/2006/relationships" xmlns:p="http://schemas.openxmlformats.org/presentationml/2006/main" show="0">
-  <p:cSld>
-    <p:spTree>
-      <p:nvGrpSpPr>
-        <p:cNvPr id="1" name=""/>
-        <p:cNvGrpSpPr/>
-        <p:nvPr/>
-      </p:nvGrpSpPr>
-      <p:grpSpPr>
-        <a:xfrm>
-          <a:off x="0" y="0"/>
-          <a:ext cx="0" cy="0"/>
-          <a:chOff x="0" y="0"/>
-          <a:chExt cx="0" cy="0"/>
-        </a:xfrm>
-      </p:grpSpPr>
-      <p:sp>
-        <p:nvSpPr>
-          <p:cNvPr id="4" name="Retângulo 3"/>
-          <p:cNvSpPr/>
-          <p:nvPr/>
-        </p:nvSpPr>
-        <p:spPr>
-          <a:xfrm>
-            <a:off x="40662" y="1330036"/>
-            <a:ext cx="1338773" cy="914400"/>
-          </a:xfrm>
-          <a:prstGeom prst="rect">
-            <a:avLst/>
-          </a:prstGeom>
-        </p:spPr>
-        <p:style>
-          <a:lnRef idx="2">
-            <a:schemeClr val="accent1">
-              <a:shade val="50000"/>
-            </a:schemeClr>
-          </a:lnRef>
-          <a:fillRef idx="1">
-            <a:schemeClr val="accent1"/>
-          </a:fillRef>
-          <a:effectRef idx="0">
-            <a:schemeClr val="accent1"/>
-          </a:effectRef>
-          <a:fontRef idx="minor">
-            <a:schemeClr val="lt1"/>
-          </a:fontRef>
-        </p:style>
-        <p:txBody>
-          <a:bodyPr rtlCol="0" anchor="ctr"/>
-          <a:lstStyle/>
-          <a:p>
-            <a:pPr algn="ctr"/>
-            <a:r>
-              <a:rPr lang="pt-BR" dirty="0"/>
-              <a:t>Extração da base</a:t>
-            </a:r>
-          </a:p>
-        </p:txBody>
-      </p:sp>
-      <p:sp>
-        <p:nvSpPr>
-          <p:cNvPr id="5" name="Retângulo 4"/>
-          <p:cNvSpPr/>
-          <p:nvPr/>
-        </p:nvSpPr>
-        <p:spPr>
-          <a:xfrm>
-            <a:off x="2091134" y="1330036"/>
-            <a:ext cx="1338773" cy="914400"/>
-          </a:xfrm>
-          <a:prstGeom prst="rect">
-            <a:avLst/>
-          </a:prstGeom>
-        </p:spPr>
-        <p:style>
-          <a:lnRef idx="2">
-            <a:schemeClr val="accent1">
-              <a:shade val="50000"/>
-            </a:schemeClr>
-          </a:lnRef>
-          <a:fillRef idx="1">
-            <a:schemeClr val="accent1"/>
-          </a:fillRef>
-          <a:effectRef idx="0">
-            <a:schemeClr val="accent1"/>
-          </a:effectRef>
-          <a:fontRef idx="minor">
-            <a:schemeClr val="lt1"/>
-          </a:fontRef>
-        </p:style>
-        <p:txBody>
-          <a:bodyPr rtlCol="0" anchor="ctr"/>
-          <a:lstStyle/>
-          <a:p>
-            <a:pPr algn="ctr"/>
-            <a:r>
-              <a:rPr lang="pt-BR" dirty="0"/>
-              <a:t>Tratamento da base</a:t>
-            </a:r>
-          </a:p>
-        </p:txBody>
-      </p:sp>
-      <p:sp>
-        <p:nvSpPr>
-          <p:cNvPr id="6" name="Retângulo 5"/>
-          <p:cNvSpPr/>
-          <p:nvPr/>
-        </p:nvSpPr>
-        <p:spPr>
-          <a:xfrm>
-            <a:off x="1721430" y="2459180"/>
-            <a:ext cx="2438400" cy="4551219"/>
-          </a:xfrm>
-          <a:prstGeom prst="rect">
-            <a:avLst/>
-          </a:prstGeom>
-        </p:spPr>
-        <p:style>
-          <a:lnRef idx="2">
-            <a:schemeClr val="accent1">
-              <a:shade val="50000"/>
-            </a:schemeClr>
-          </a:lnRef>
-          <a:fillRef idx="1">
-            <a:schemeClr val="accent1"/>
-          </a:fillRef>
-          <a:effectRef idx="0">
-            <a:schemeClr val="accent1"/>
-          </a:effectRef>
-          <a:fontRef idx="minor">
-            <a:schemeClr val="lt1"/>
-          </a:fontRef>
-        </p:style>
-        <p:txBody>
-          <a:bodyPr rtlCol="0" anchor="ctr"/>
-          <a:lstStyle/>
-          <a:p>
-            <a:pPr marL="285750" indent="-285750">
-              <a:buFont typeface="Arial" panose="020B0604020202020204" pitchFamily="34" charset="0"/>
-              <a:buChar char="•"/>
-            </a:pPr>
-            <a:r>
-              <a:rPr lang="pt-BR" dirty="0"/>
-              <a:t>Etapa 1:Ajustes de notação (separador de milhar, data),</a:t>
-            </a:r>
-          </a:p>
-          <a:p>
-            <a:pPr marL="285750" indent="-285750">
-              <a:buFont typeface="Arial" panose="020B0604020202020204" pitchFamily="34" charset="0"/>
-              <a:buChar char="•"/>
-            </a:pPr>
-            <a:endParaRPr lang="pt-BR" dirty="0"/>
-          </a:p>
-          <a:p>
-            <a:pPr marL="285750" indent="-285750">
-              <a:buFont typeface="Arial" panose="020B0604020202020204" pitchFamily="34" charset="0"/>
-              <a:buChar char="•"/>
-            </a:pPr>
-            <a:r>
-              <a:rPr lang="pt-BR" dirty="0"/>
-              <a:t>Etapa 2:Seleção das variáveis de interesse (data pagamento, </a:t>
-            </a:r>
-            <a:r>
-              <a:rPr lang="pt-BR" dirty="0" err="1"/>
-              <a:t>cpf</a:t>
-            </a:r>
-            <a:r>
-              <a:rPr lang="pt-BR" dirty="0"/>
-              <a:t>, valor, UF)</a:t>
-            </a:r>
-          </a:p>
-          <a:p>
-            <a:pPr marL="285750" indent="-285750">
-              <a:buFont typeface="Arial" panose="020B0604020202020204" pitchFamily="34" charset="0"/>
-              <a:buChar char="•"/>
-            </a:pPr>
-            <a:r>
-              <a:rPr lang="pt-BR" dirty="0"/>
-              <a:t>Novo campo: entrada e saída</a:t>
-            </a:r>
-          </a:p>
-        </p:txBody>
-      </p:sp>
-      <p:sp>
-        <p:nvSpPr>
-          <p:cNvPr id="7" name="Retângulo 6"/>
-          <p:cNvSpPr/>
-          <p:nvPr/>
-        </p:nvSpPr>
-        <p:spPr>
-          <a:xfrm>
-            <a:off x="7454580" y="1330036"/>
-            <a:ext cx="1338773" cy="914400"/>
-          </a:xfrm>
-          <a:prstGeom prst="rect">
-            <a:avLst/>
-          </a:prstGeom>
-        </p:spPr>
-        <p:style>
-          <a:lnRef idx="2">
-            <a:schemeClr val="accent1">
-              <a:shade val="50000"/>
-            </a:schemeClr>
-          </a:lnRef>
-          <a:fillRef idx="1">
-            <a:schemeClr val="accent1"/>
-          </a:fillRef>
-          <a:effectRef idx="0">
-            <a:schemeClr val="accent1"/>
-          </a:effectRef>
-          <a:fontRef idx="minor">
-            <a:schemeClr val="lt1"/>
-          </a:fontRef>
-        </p:style>
-        <p:txBody>
-          <a:bodyPr rtlCol="0" anchor="ctr"/>
-          <a:lstStyle/>
-          <a:p>
-            <a:pPr algn="ctr"/>
-            <a:r>
-              <a:rPr lang="pt-BR" dirty="0"/>
-              <a:t>Construção da série temporal</a:t>
-            </a:r>
-          </a:p>
-        </p:txBody>
-      </p:sp>
-      <p:sp>
-        <p:nvSpPr>
-          <p:cNvPr id="8" name="Retângulo 7"/>
-          <p:cNvSpPr/>
-          <p:nvPr/>
-        </p:nvSpPr>
-        <p:spPr>
-          <a:xfrm>
-            <a:off x="9172544" y="1330036"/>
-            <a:ext cx="1338773" cy="914400"/>
-          </a:xfrm>
-          <a:prstGeom prst="rect">
-            <a:avLst/>
-          </a:prstGeom>
-        </p:spPr>
-        <p:style>
-          <a:lnRef idx="2">
-            <a:schemeClr val="accent1">
-              <a:shade val="50000"/>
-            </a:schemeClr>
-          </a:lnRef>
-          <a:fillRef idx="1">
-            <a:schemeClr val="accent1"/>
-          </a:fillRef>
-          <a:effectRef idx="0">
-            <a:schemeClr val="accent1"/>
-          </a:effectRef>
-          <a:fontRef idx="minor">
-            <a:schemeClr val="lt1"/>
-          </a:fontRef>
-        </p:style>
-        <p:txBody>
-          <a:bodyPr rtlCol="0" anchor="ctr"/>
-          <a:lstStyle/>
-          <a:p>
-            <a:pPr algn="ctr"/>
-            <a:r>
-              <a:rPr lang="pt-BR" dirty="0"/>
-              <a:t>Cálculo do intervalo de confiança da amostra</a:t>
-            </a:r>
-          </a:p>
-        </p:txBody>
-      </p:sp>
-      <p:sp>
-        <p:nvSpPr>
-          <p:cNvPr id="9" name="Retângulo 8"/>
-          <p:cNvSpPr/>
-          <p:nvPr/>
-        </p:nvSpPr>
-        <p:spPr>
-          <a:xfrm>
-            <a:off x="7264986" y="2459181"/>
-            <a:ext cx="1593264" cy="2722419"/>
-          </a:xfrm>
-          <a:prstGeom prst="rect">
-            <a:avLst/>
-          </a:prstGeom>
-        </p:spPr>
-        <p:style>
-          <a:lnRef idx="2">
-            <a:schemeClr val="accent1">
-              <a:shade val="50000"/>
-            </a:schemeClr>
-          </a:lnRef>
-          <a:fillRef idx="1">
-            <a:schemeClr val="accent1"/>
-          </a:fillRef>
-          <a:effectRef idx="0">
-            <a:schemeClr val="accent1"/>
-          </a:effectRef>
-          <a:fontRef idx="minor">
-            <a:schemeClr val="lt1"/>
-          </a:fontRef>
-        </p:style>
-        <p:txBody>
-          <a:bodyPr rtlCol="0" anchor="ctr"/>
-          <a:lstStyle/>
-          <a:p>
-            <a:pPr marL="285750" indent="-285750">
-              <a:buFont typeface="Arial" panose="020B0604020202020204" pitchFamily="34" charset="0"/>
-              <a:buChar char="•"/>
-            </a:pPr>
-            <a:endParaRPr lang="pt-BR" dirty="0"/>
-          </a:p>
-          <a:p>
-            <a:pPr marL="285750" indent="-285750">
-              <a:buFont typeface="Arial" panose="020B0604020202020204" pitchFamily="34" charset="0"/>
-              <a:buChar char="•"/>
-            </a:pPr>
-            <a:r>
-              <a:rPr lang="pt-BR" dirty="0"/>
-              <a:t>ARIMA</a:t>
-            </a:r>
-          </a:p>
-          <a:p>
-            <a:pPr marL="285750" indent="-285750">
-              <a:buFont typeface="Arial" panose="020B0604020202020204" pitchFamily="34" charset="0"/>
-              <a:buChar char="•"/>
-            </a:pPr>
-            <a:r>
-              <a:rPr lang="pt-BR" dirty="0" err="1"/>
-              <a:t>HoltWinters</a:t>
-            </a:r>
-            <a:endParaRPr lang="pt-BR" dirty="0"/>
-          </a:p>
-          <a:p>
-            <a:pPr marL="285750" indent="-285750">
-              <a:buFont typeface="Arial" panose="020B0604020202020204" pitchFamily="34" charset="0"/>
-              <a:buChar char="•"/>
-            </a:pPr>
-            <a:endParaRPr lang="pt-BR" dirty="0"/>
-          </a:p>
-          <a:p>
-            <a:pPr marL="285750" indent="-285750">
-              <a:buFont typeface="Arial" panose="020B0604020202020204" pitchFamily="34" charset="0"/>
-              <a:buChar char="•"/>
-            </a:pPr>
-            <a:r>
-              <a:rPr lang="pt-BR" dirty="0"/>
-              <a:t>Não deu certo – não era estacionária</a:t>
-            </a:r>
-          </a:p>
-          <a:p>
-            <a:pPr marL="285750" indent="-285750">
-              <a:buFont typeface="Arial" panose="020B0604020202020204" pitchFamily="34" charset="0"/>
-              <a:buChar char="•"/>
-            </a:pPr>
-            <a:endParaRPr lang="pt-BR" dirty="0"/>
-          </a:p>
-        </p:txBody>
-      </p:sp>
-      <p:sp>
-        <p:nvSpPr>
-          <p:cNvPr id="10" name="Retângulo 9"/>
-          <p:cNvSpPr/>
-          <p:nvPr/>
-        </p:nvSpPr>
-        <p:spPr>
-          <a:xfrm>
-            <a:off x="40661" y="13854"/>
-            <a:ext cx="1338773" cy="914400"/>
-          </a:xfrm>
-          <a:prstGeom prst="rect">
-            <a:avLst/>
-          </a:prstGeom>
-        </p:spPr>
-        <p:style>
-          <a:lnRef idx="2">
-            <a:schemeClr val="accent1">
-              <a:shade val="50000"/>
-            </a:schemeClr>
-          </a:lnRef>
-          <a:fillRef idx="1">
-            <a:schemeClr val="accent1"/>
-          </a:fillRef>
-          <a:effectRef idx="0">
-            <a:schemeClr val="accent1"/>
-          </a:effectRef>
-          <a:fontRef idx="minor">
-            <a:schemeClr val="lt1"/>
-          </a:fontRef>
-        </p:style>
-        <p:txBody>
-          <a:bodyPr rtlCol="0" anchor="ctr"/>
-          <a:lstStyle/>
-          <a:p>
-            <a:pPr algn="ctr"/>
-            <a:r>
-              <a:rPr lang="pt-BR" dirty="0"/>
-              <a:t>preparação </a:t>
-            </a:r>
-            <a:r>
-              <a:rPr lang="pt-BR" dirty="0" err="1"/>
-              <a:t>monetDB</a:t>
-            </a:r>
-            <a:r>
-              <a:rPr lang="pt-BR" dirty="0"/>
-              <a:t> – 1 </a:t>
-            </a:r>
-            <a:r>
-              <a:rPr lang="pt-BR" dirty="0" err="1"/>
-              <a:t>doker</a:t>
-            </a:r>
-            <a:r>
-              <a:rPr lang="pt-BR" dirty="0"/>
-              <a:t> e 7</a:t>
-            </a:r>
-          </a:p>
-        </p:txBody>
-      </p:sp>
-      <p:sp>
-        <p:nvSpPr>
-          <p:cNvPr id="11" name="Retângulo 10"/>
-          <p:cNvSpPr/>
-          <p:nvPr/>
-        </p:nvSpPr>
-        <p:spPr>
-          <a:xfrm>
-            <a:off x="4584953" y="1330036"/>
-            <a:ext cx="1338773" cy="914400"/>
-          </a:xfrm>
-          <a:prstGeom prst="rect">
-            <a:avLst/>
-          </a:prstGeom>
-        </p:spPr>
-        <p:style>
-          <a:lnRef idx="2">
-            <a:schemeClr val="accent1">
-              <a:shade val="50000"/>
-            </a:schemeClr>
-          </a:lnRef>
-          <a:fillRef idx="1">
-            <a:schemeClr val="accent1"/>
-          </a:fillRef>
-          <a:effectRef idx="0">
-            <a:schemeClr val="accent1"/>
-          </a:effectRef>
-          <a:fontRef idx="minor">
-            <a:schemeClr val="lt1"/>
-          </a:fontRef>
-        </p:style>
-        <p:txBody>
-          <a:bodyPr rtlCol="0" anchor="ctr"/>
-          <a:lstStyle/>
-          <a:p>
-            <a:pPr algn="ctr"/>
-            <a:r>
-              <a:rPr lang="pt-BR" dirty="0"/>
-              <a:t>Construção das amostras</a:t>
-            </a:r>
-          </a:p>
-        </p:txBody>
-      </p:sp>
-      <p:sp>
-        <p:nvSpPr>
-          <p:cNvPr id="12" name="Retângulo 11"/>
-          <p:cNvSpPr/>
-          <p:nvPr/>
-        </p:nvSpPr>
-        <p:spPr>
-          <a:xfrm>
-            <a:off x="4381500" y="2459180"/>
-            <a:ext cx="2161309" cy="2722419"/>
-          </a:xfrm>
-          <a:prstGeom prst="rect">
-            <a:avLst/>
-          </a:prstGeom>
-        </p:spPr>
-        <p:style>
-          <a:lnRef idx="2">
-            <a:schemeClr val="accent1">
-              <a:shade val="50000"/>
-            </a:schemeClr>
-          </a:lnRef>
-          <a:fillRef idx="1">
-            <a:schemeClr val="accent1"/>
-          </a:fillRef>
-          <a:effectRef idx="0">
-            <a:schemeClr val="accent1"/>
-          </a:effectRef>
-          <a:fontRef idx="minor">
-            <a:schemeClr val="lt1"/>
-          </a:fontRef>
-        </p:style>
-        <p:txBody>
-          <a:bodyPr rtlCol="0" anchor="ctr"/>
-          <a:lstStyle/>
-          <a:p>
-            <a:pPr marL="285750" indent="-285750">
-              <a:buFont typeface="Arial" panose="020B0604020202020204" pitchFamily="34" charset="0"/>
-              <a:buChar char="•"/>
-            </a:pPr>
-            <a:r>
-              <a:rPr lang="pt-BR" dirty="0"/>
-              <a:t>População</a:t>
-            </a:r>
-          </a:p>
-          <a:p>
-            <a:pPr marL="285750" indent="-285750">
-              <a:buFont typeface="Arial" panose="020B0604020202020204" pitchFamily="34" charset="0"/>
-              <a:buChar char="•"/>
-            </a:pPr>
-            <a:r>
-              <a:rPr lang="pt-BR" dirty="0"/>
-              <a:t>Amostra aleatória (</a:t>
-            </a:r>
-          </a:p>
-          <a:p>
-            <a:pPr marL="285750" indent="-285750">
-              <a:buFont typeface="Arial" panose="020B0604020202020204" pitchFamily="34" charset="0"/>
-              <a:buChar char="•"/>
-            </a:pPr>
-            <a:r>
-              <a:rPr lang="pt-BR" dirty="0"/>
-              <a:t>1347 9 minutos</a:t>
-            </a:r>
-          </a:p>
-          <a:p>
-            <a:pPr marL="285750" indent="-285750">
-              <a:buFont typeface="Arial" panose="020B0604020202020204" pitchFamily="34" charset="0"/>
-              <a:buChar char="•"/>
-            </a:pPr>
-            <a:r>
-              <a:rPr lang="pt-BR" dirty="0"/>
-              <a:t> – 392.080 – 12 min))</a:t>
-            </a:r>
-          </a:p>
-          <a:p>
-            <a:pPr marL="285750" indent="-285750">
-              <a:buFont typeface="Arial" panose="020B0604020202020204" pitchFamily="34" charset="0"/>
-              <a:buChar char="•"/>
-            </a:pPr>
-            <a:endParaRPr lang="pt-BR" dirty="0"/>
-          </a:p>
-          <a:p>
-            <a:pPr marL="285750" indent="-285750">
-              <a:buFont typeface="Arial" panose="020B0604020202020204" pitchFamily="34" charset="0"/>
-              <a:buChar char="•"/>
-            </a:pPr>
-            <a:r>
-              <a:rPr lang="pt-BR" dirty="0"/>
-              <a:t>Amostra estratificada</a:t>
-            </a:r>
-          </a:p>
-        </p:txBody>
-      </p:sp>
-      <p:sp>
-        <p:nvSpPr>
-          <p:cNvPr id="15" name="Retângulo 14"/>
-          <p:cNvSpPr/>
-          <p:nvPr/>
-        </p:nvSpPr>
-        <p:spPr>
-          <a:xfrm>
-            <a:off x="9167435" y="2459180"/>
-            <a:ext cx="1593264" cy="2722419"/>
-          </a:xfrm>
-          <a:prstGeom prst="rect">
-            <a:avLst/>
-          </a:prstGeom>
-        </p:spPr>
-        <p:style>
-          <a:lnRef idx="2">
-            <a:schemeClr val="accent1">
-              <a:shade val="50000"/>
-            </a:schemeClr>
-          </a:lnRef>
-          <a:fillRef idx="1">
-            <a:schemeClr val="accent1"/>
-          </a:fillRef>
-          <a:effectRef idx="0">
-            <a:schemeClr val="accent1"/>
-          </a:effectRef>
-          <a:fontRef idx="minor">
-            <a:schemeClr val="lt1"/>
-          </a:fontRef>
-        </p:style>
-        <p:txBody>
-          <a:bodyPr rtlCol="0" anchor="ctr"/>
-          <a:lstStyle/>
-          <a:p>
-            <a:pPr marL="285750" indent="-285750">
-              <a:buFont typeface="Arial" panose="020B0604020202020204" pitchFamily="34" charset="0"/>
-              <a:buChar char="•"/>
-            </a:pPr>
-            <a:endParaRPr lang="pt-BR" dirty="0"/>
-          </a:p>
-          <a:p>
-            <a:pPr marL="285750" indent="-285750">
-              <a:buFont typeface="Arial" panose="020B0604020202020204" pitchFamily="34" charset="0"/>
-              <a:buChar char="•"/>
-            </a:pPr>
-            <a:r>
-              <a:rPr lang="pt-BR" dirty="0" err="1"/>
-              <a:t>Bootstrap</a:t>
-            </a:r>
-            <a:endParaRPr lang="pt-BR" dirty="0"/>
-          </a:p>
-          <a:p>
-            <a:pPr marL="285750" indent="-285750">
-              <a:buFont typeface="Arial" panose="020B0604020202020204" pitchFamily="34" charset="0"/>
-              <a:buChar char="•"/>
-            </a:pPr>
-            <a:endParaRPr lang="pt-BR" dirty="0"/>
-          </a:p>
-        </p:txBody>
-      </p:sp>
-      <p:sp>
-        <p:nvSpPr>
-          <p:cNvPr id="17" name="Retângulo 16"/>
-          <p:cNvSpPr/>
-          <p:nvPr/>
-        </p:nvSpPr>
-        <p:spPr>
-          <a:xfrm>
-            <a:off x="10890508" y="1330036"/>
-            <a:ext cx="1338773" cy="914400"/>
-          </a:xfrm>
-          <a:prstGeom prst="rect">
-            <a:avLst/>
-          </a:prstGeom>
-        </p:spPr>
-        <p:style>
-          <a:lnRef idx="2">
-            <a:schemeClr val="accent1">
-              <a:shade val="50000"/>
-            </a:schemeClr>
-          </a:lnRef>
-          <a:fillRef idx="1">
-            <a:schemeClr val="accent1"/>
-          </a:fillRef>
-          <a:effectRef idx="0">
-            <a:schemeClr val="accent1"/>
-          </a:effectRef>
-          <a:fontRef idx="minor">
-            <a:schemeClr val="lt1"/>
-          </a:fontRef>
-        </p:style>
-        <p:txBody>
-          <a:bodyPr rtlCol="0" anchor="ctr"/>
-          <a:lstStyle/>
-          <a:p>
-            <a:pPr algn="ctr"/>
-            <a:r>
-              <a:rPr lang="pt-BR" dirty="0"/>
-              <a:t>Comparar intervalo de confiança</a:t>
-            </a:r>
-          </a:p>
-        </p:txBody>
-      </p:sp>
-      <p:sp>
-        <p:nvSpPr>
-          <p:cNvPr id="18" name="Retângulo 17"/>
-          <p:cNvSpPr/>
-          <p:nvPr/>
-        </p:nvSpPr>
-        <p:spPr>
-          <a:xfrm>
-            <a:off x="8858250" y="-119496"/>
-            <a:ext cx="1338773" cy="914400"/>
-          </a:xfrm>
-          <a:prstGeom prst="rect">
-            <a:avLst/>
-          </a:prstGeom>
-        </p:spPr>
-        <p:style>
-          <a:lnRef idx="2">
-            <a:schemeClr val="accent1">
-              <a:shade val="50000"/>
-            </a:schemeClr>
-          </a:lnRef>
-          <a:fillRef idx="1">
-            <a:schemeClr val="accent1"/>
-          </a:fillRef>
-          <a:effectRef idx="0">
-            <a:schemeClr val="accent1"/>
-          </a:effectRef>
-          <a:fontRef idx="minor">
-            <a:schemeClr val="lt1"/>
-          </a:fontRef>
-        </p:style>
-        <p:txBody>
-          <a:bodyPr rtlCol="0" anchor="ctr"/>
-          <a:lstStyle/>
-          <a:p>
-            <a:pPr algn="ctr"/>
-            <a:r>
-              <a:rPr lang="pt-BR" dirty="0"/>
-              <a:t>Comparar previsão da amostra e da </a:t>
-            </a:r>
-            <a:r>
-              <a:rPr lang="pt-BR" dirty="0" err="1"/>
-              <a:t>previsãi</a:t>
-            </a:r>
-            <a:endParaRPr lang="pt-BR" dirty="0"/>
-          </a:p>
-        </p:txBody>
-      </p:sp>
-      <p:sp>
-        <p:nvSpPr>
-          <p:cNvPr id="2" name="Retângulo 1"/>
-          <p:cNvSpPr/>
-          <p:nvPr/>
-        </p:nvSpPr>
-        <p:spPr>
-          <a:xfrm>
-            <a:off x="4978400" y="5646057"/>
-            <a:ext cx="1117600" cy="798286"/>
-          </a:xfrm>
-          <a:prstGeom prst="rect">
-            <a:avLst/>
-          </a:prstGeom>
-        </p:spPr>
-        <p:style>
-          <a:lnRef idx="2">
-            <a:schemeClr val="accent1">
-              <a:shade val="50000"/>
-            </a:schemeClr>
-          </a:lnRef>
-          <a:fillRef idx="1">
-            <a:schemeClr val="accent1"/>
-          </a:fillRef>
-          <a:effectRef idx="0">
-            <a:schemeClr val="accent1"/>
-          </a:effectRef>
-          <a:fontRef idx="minor">
-            <a:schemeClr val="lt1"/>
-          </a:fontRef>
-        </p:style>
-        <p:txBody>
-          <a:bodyPr rtlCol="0" anchor="ctr"/>
-          <a:lstStyle/>
-          <a:p>
-            <a:pPr algn="ctr"/>
-            <a:r>
-              <a:rPr lang="pt-BR" dirty="0"/>
-              <a:t>bug</a:t>
-            </a:r>
-          </a:p>
-        </p:txBody>
-      </p:sp>
-    </p:spTree>
-    <p:extLst>
-      <p:ext uri="{BB962C8B-B14F-4D97-AF65-F5344CB8AC3E}">
-        <p14:creationId xmlns:p14="http://schemas.microsoft.com/office/powerpoint/2010/main" val="967011268"/>
-      </p:ext>
-    </p:extLst>
-  </p:cSld>
-  <p:clrMapOvr>
-    <a:masterClrMapping/>
-  </p:clrMapOvr>
-</p:sld>
-</file>
-
-<file path=ppt/slides/slide21.xml><?xml version="1.0" encoding="utf-8"?>
-<p:sld xmlns:a="http://schemas.openxmlformats.org/drawingml/2006/main" xmlns:r="http://schemas.openxmlformats.org/officeDocument/2006/relationships" xmlns:p="http://schemas.openxmlformats.org/presentationml/2006/main" show="0">
-  <p:cSld>
-    <p:spTree>
-      <p:nvGrpSpPr>
-        <p:cNvPr id="1" name=""/>
-        <p:cNvGrpSpPr/>
-        <p:nvPr/>
-      </p:nvGrpSpPr>
-      <p:grpSpPr>
-        <a:xfrm>
-          <a:off x="0" y="0"/>
-          <a:ext cx="0" cy="0"/>
-          <a:chOff x="0" y="0"/>
-          <a:chExt cx="0" cy="0"/>
-        </a:xfrm>
-      </p:grpSpPr>
-      <p:sp>
-        <p:nvSpPr>
-          <p:cNvPr id="2" name="Título 1"/>
-          <p:cNvSpPr>
-            <a:spLocks noGrp="1"/>
-          </p:cNvSpPr>
-          <p:nvPr>
-            <p:ph type="ctrTitle"/>
-          </p:nvPr>
-        </p:nvSpPr>
-        <p:spPr/>
-        <p:txBody>
-          <a:bodyPr/>
-          <a:lstStyle/>
-          <a:p>
-            <a:endParaRPr lang="pt-BR"/>
-          </a:p>
-        </p:txBody>
-      </p:sp>
-      <p:sp>
-        <p:nvSpPr>
-          <p:cNvPr id="3" name="Subtítulo 2"/>
-          <p:cNvSpPr>
-            <a:spLocks noGrp="1"/>
-          </p:cNvSpPr>
-          <p:nvPr>
-            <p:ph type="subTitle" idx="1"/>
-          </p:nvPr>
-        </p:nvSpPr>
-        <p:spPr/>
-        <p:txBody>
-          <a:bodyPr/>
-          <a:lstStyle/>
-          <a:p>
-            <a:endParaRPr lang="pt-BR"/>
-          </a:p>
-        </p:txBody>
-      </p:sp>
-      <p:sp>
-        <p:nvSpPr>
-          <p:cNvPr id="4" name="Retângulo 3"/>
-          <p:cNvSpPr/>
-          <p:nvPr/>
-        </p:nvSpPr>
-        <p:spPr>
-          <a:xfrm>
-            <a:off x="1333500" y="514350"/>
-            <a:ext cx="7810500" cy="4743450"/>
-          </a:xfrm>
-          <a:prstGeom prst="rect">
-            <a:avLst/>
-          </a:prstGeom>
-        </p:spPr>
-        <p:style>
-          <a:lnRef idx="2">
-            <a:schemeClr val="accent1">
-              <a:shade val="50000"/>
-            </a:schemeClr>
-          </a:lnRef>
-          <a:fillRef idx="1">
-            <a:schemeClr val="accent1"/>
-          </a:fillRef>
-          <a:effectRef idx="0">
-            <a:schemeClr val="accent1"/>
-          </a:effectRef>
-          <a:fontRef idx="minor">
-            <a:schemeClr val="lt1"/>
-          </a:fontRef>
-        </p:style>
-        <p:txBody>
-          <a:bodyPr rtlCol="0" anchor="ctr"/>
-          <a:lstStyle/>
-          <a:p>
-            <a:pPr algn="ctr"/>
-            <a:r>
-              <a:rPr lang="pt-BR" dirty="0"/>
-              <a:t>Docker</a:t>
-            </a:r>
-          </a:p>
-          <a:p>
-            <a:pPr algn="ctr"/>
-            <a:r>
-              <a:rPr lang="pt-BR" dirty="0" err="1"/>
-              <a:t>Spark</a:t>
-            </a:r>
-            <a:endParaRPr lang="pt-BR" dirty="0"/>
-          </a:p>
-          <a:p>
-            <a:pPr algn="ctr"/>
-            <a:r>
-              <a:rPr lang="pt-BR" dirty="0" err="1"/>
-              <a:t>MonetDB</a:t>
-            </a:r>
-            <a:endParaRPr lang="pt-BR" dirty="0"/>
-          </a:p>
-          <a:p>
-            <a:pPr algn="ctr"/>
-            <a:r>
-              <a:rPr lang="pt-BR" dirty="0"/>
-              <a:t>R</a:t>
-            </a:r>
-          </a:p>
-          <a:p>
-            <a:pPr algn="ctr"/>
-            <a:r>
-              <a:rPr lang="pt-BR" dirty="0" err="1"/>
-              <a:t>Github</a:t>
-            </a:r>
-            <a:endParaRPr lang="pt-BR" dirty="0"/>
-          </a:p>
-          <a:p>
-            <a:pPr algn="ctr"/>
-            <a:r>
-              <a:rPr lang="pt-BR" dirty="0" err="1"/>
-              <a:t>Bash</a:t>
-            </a:r>
-            <a:r>
-              <a:rPr lang="pt-BR" dirty="0"/>
-              <a:t> – </a:t>
-            </a:r>
-            <a:r>
-              <a:rPr lang="pt-BR" dirty="0" err="1"/>
-              <a:t>shell</a:t>
-            </a:r>
-            <a:r>
-              <a:rPr lang="pt-BR" dirty="0"/>
-              <a:t> script</a:t>
-            </a:r>
-          </a:p>
-          <a:p>
-            <a:pPr algn="ctr"/>
-            <a:r>
-              <a:rPr lang="pt-BR" dirty="0"/>
-              <a:t>Python</a:t>
-            </a:r>
-          </a:p>
-          <a:p>
-            <a:pPr algn="ctr"/>
-            <a:endParaRPr lang="pt-BR" dirty="0"/>
-          </a:p>
-          <a:p>
-            <a:pPr algn="ctr"/>
-            <a:r>
-              <a:rPr lang="pt-BR" dirty="0" err="1"/>
-              <a:t>Config</a:t>
-            </a:r>
-            <a:r>
-              <a:rPr lang="pt-BR" dirty="0"/>
-              <a:t> da máquina - </a:t>
-            </a:r>
-          </a:p>
-          <a:p>
-            <a:pPr algn="ctr"/>
-            <a:endParaRPr lang="pt-BR" dirty="0"/>
-          </a:p>
-          <a:p>
-            <a:pPr algn="ctr"/>
-            <a:endParaRPr lang="pt-BR" dirty="0"/>
-          </a:p>
-          <a:p>
-            <a:pPr algn="ctr"/>
-            <a:endParaRPr lang="pt-BR" dirty="0"/>
-          </a:p>
-          <a:p>
-            <a:pPr algn="ctr"/>
-            <a:r>
-              <a:rPr lang="pt-BR" dirty="0" err="1"/>
-              <a:t>Fork</a:t>
-            </a:r>
-            <a:r>
-              <a:rPr lang="pt-BR" dirty="0"/>
-              <a:t> me </a:t>
-            </a:r>
-            <a:r>
-              <a:rPr lang="pt-BR" dirty="0" err="1"/>
-              <a:t>on</a:t>
-            </a:r>
-            <a:r>
-              <a:rPr lang="pt-BR" dirty="0"/>
-              <a:t> </a:t>
-            </a:r>
-            <a:r>
-              <a:rPr lang="pt-BR" dirty="0" err="1"/>
-              <a:t>gitghub</a:t>
-            </a:r>
-            <a:endParaRPr lang="pt-BR" dirty="0"/>
-          </a:p>
-        </p:txBody>
-      </p:sp>
-      <p:pic>
-        <p:nvPicPr>
-          <p:cNvPr id="1026" name="Picture 2" descr="Resultado de imagem para monetdb"/>
-          <p:cNvPicPr>
-            <a:picLocks noChangeAspect="1" noChangeArrowheads="1"/>
-          </p:cNvPicPr>
-          <p:nvPr/>
-        </p:nvPicPr>
-        <p:blipFill>
-          <a:blip r:embed="rId2">
-            <a:extLst>
-              <a:ext uri="{28A0092B-C50C-407E-A947-70E740481C1C}">
-                <a14:useLocalDpi xmlns:a14="http://schemas.microsoft.com/office/drawing/2010/main" val="0"/>
-              </a:ext>
-            </a:extLst>
-          </a:blip>
-          <a:srcRect/>
-          <a:stretch>
-            <a:fillRect/>
-          </a:stretch>
-        </p:blipFill>
-        <p:spPr bwMode="auto">
-          <a:xfrm>
-            <a:off x="10668000" y="0"/>
-            <a:ext cx="6457950" cy="2724150"/>
-          </a:xfrm>
-          <a:prstGeom prst="rect">
-            <a:avLst/>
-          </a:prstGeom>
-          <a:noFill/>
-          <a:extLst>
-            <a:ext uri="{909E8E84-426E-40DD-AFC4-6F175D3DCCD1}">
-              <a14:hiddenFill xmlns:a14="http://schemas.microsoft.com/office/drawing/2010/main">
-                <a:solidFill>
-                  <a:srgbClr val="FFFFFF"/>
-                </a:solidFill>
-              </a14:hiddenFill>
-            </a:ext>
-          </a:extLst>
-        </p:spPr>
-      </p:pic>
-      <p:pic>
-        <p:nvPicPr>
-          <p:cNvPr id="1028" name="Picture 4" descr="Resultado de imagem para docker"/>
-          <p:cNvPicPr>
-            <a:picLocks noChangeAspect="1" noChangeArrowheads="1"/>
-          </p:cNvPicPr>
-          <p:nvPr/>
-        </p:nvPicPr>
-        <p:blipFill>
-          <a:blip r:embed="rId3">
-            <a:extLst>
-              <a:ext uri="{28A0092B-C50C-407E-A947-70E740481C1C}">
-                <a14:useLocalDpi xmlns:a14="http://schemas.microsoft.com/office/drawing/2010/main" val="0"/>
-              </a:ext>
-            </a:extLst>
-          </a:blip>
-          <a:srcRect/>
-          <a:stretch>
-            <a:fillRect/>
-          </a:stretch>
-        </p:blipFill>
-        <p:spPr bwMode="auto">
-          <a:xfrm>
-            <a:off x="10138153" y="2423885"/>
-            <a:ext cx="4107694" cy="3664857"/>
-          </a:xfrm>
-          <a:prstGeom prst="rect">
-            <a:avLst/>
-          </a:prstGeom>
-          <a:noFill/>
-          <a:extLst>
-            <a:ext uri="{909E8E84-426E-40DD-AFC4-6F175D3DCCD1}">
-              <a14:hiddenFill xmlns:a14="http://schemas.microsoft.com/office/drawing/2010/main">
-                <a:solidFill>
-                  <a:srgbClr val="FFFFFF"/>
-                </a:solidFill>
-              </a14:hiddenFill>
-            </a:ext>
-          </a:extLst>
-        </p:spPr>
-      </p:pic>
-      <p:pic>
-        <p:nvPicPr>
-          <p:cNvPr id="1030" name="Picture 6" descr="Resultado de imagem para spark"/>
-          <p:cNvPicPr>
-            <a:picLocks noChangeAspect="1" noChangeArrowheads="1"/>
-          </p:cNvPicPr>
-          <p:nvPr/>
-        </p:nvPicPr>
-        <p:blipFill>
-          <a:blip r:embed="rId4">
-            <a:extLst>
-              <a:ext uri="{28A0092B-C50C-407E-A947-70E740481C1C}">
-                <a14:useLocalDpi xmlns:a14="http://schemas.microsoft.com/office/drawing/2010/main" val="0"/>
-              </a:ext>
-            </a:extLst>
-          </a:blip>
-          <a:srcRect/>
-          <a:stretch>
-            <a:fillRect/>
-          </a:stretch>
-        </p:blipFill>
-        <p:spPr bwMode="auto">
-          <a:xfrm>
-            <a:off x="6874328" y="5776685"/>
-            <a:ext cx="3581400" cy="1905000"/>
-          </a:xfrm>
-          <a:prstGeom prst="rect">
-            <a:avLst/>
-          </a:prstGeom>
-          <a:noFill/>
-          <a:extLst>
-            <a:ext uri="{909E8E84-426E-40DD-AFC4-6F175D3DCCD1}">
-              <a14:hiddenFill xmlns:a14="http://schemas.microsoft.com/office/drawing/2010/main">
-                <a:solidFill>
-                  <a:srgbClr val="FFFFFF"/>
-                </a:solidFill>
-              </a14:hiddenFill>
-            </a:ext>
-          </a:extLst>
-        </p:spPr>
-      </p:pic>
-      <p:pic>
-        <p:nvPicPr>
-          <p:cNvPr id="1032" name="Picture 8" descr="Resultado de imagem para R"/>
-          <p:cNvPicPr>
-            <a:picLocks noChangeAspect="1" noChangeArrowheads="1"/>
-          </p:cNvPicPr>
-          <p:nvPr/>
-        </p:nvPicPr>
-        <p:blipFill>
-          <a:blip r:embed="rId5">
-            <a:extLst>
-              <a:ext uri="{28A0092B-C50C-407E-A947-70E740481C1C}">
-                <a14:useLocalDpi xmlns:a14="http://schemas.microsoft.com/office/drawing/2010/main" val="0"/>
-              </a:ext>
-            </a:extLst>
-          </a:blip>
-          <a:srcRect/>
-          <a:stretch>
-            <a:fillRect/>
-          </a:stretch>
-        </p:blipFill>
-        <p:spPr bwMode="auto">
-          <a:xfrm>
-            <a:off x="2969078" y="5257800"/>
-            <a:ext cx="2381250" cy="2381250"/>
-          </a:xfrm>
-          <a:prstGeom prst="rect">
-            <a:avLst/>
-          </a:prstGeom>
-          <a:noFill/>
-          <a:extLst>
-            <a:ext uri="{909E8E84-426E-40DD-AFC4-6F175D3DCCD1}">
-              <a14:hiddenFill xmlns:a14="http://schemas.microsoft.com/office/drawing/2010/main">
-                <a:solidFill>
-                  <a:srgbClr val="FFFFFF"/>
-                </a:solidFill>
-              </a14:hiddenFill>
-            </a:ext>
-          </a:extLst>
-        </p:spPr>
-      </p:pic>
-      <p:pic>
-        <p:nvPicPr>
-          <p:cNvPr id="1034" name="Picture 10" descr="Resultado de imagem para github"/>
-          <p:cNvPicPr>
-            <a:picLocks noChangeAspect="1" noChangeArrowheads="1"/>
-          </p:cNvPicPr>
-          <p:nvPr/>
-        </p:nvPicPr>
-        <p:blipFill>
-          <a:blip r:embed="rId6">
-            <a:extLst>
-              <a:ext uri="{28A0092B-C50C-407E-A947-70E740481C1C}">
-                <a14:useLocalDpi xmlns:a14="http://schemas.microsoft.com/office/drawing/2010/main" val="0"/>
-              </a:ext>
-            </a:extLst>
-          </a:blip>
-          <a:srcRect/>
-          <a:stretch>
-            <a:fillRect/>
-          </a:stretch>
-        </p:blipFill>
-        <p:spPr bwMode="auto">
-          <a:xfrm>
-            <a:off x="-2234367" y="5351463"/>
-            <a:ext cx="5619065" cy="2082800"/>
-          </a:xfrm>
-          <a:prstGeom prst="rect">
-            <a:avLst/>
-          </a:prstGeom>
-          <a:noFill/>
-          <a:extLst>
-            <a:ext uri="{909E8E84-426E-40DD-AFC4-6F175D3DCCD1}">
-              <a14:hiddenFill xmlns:a14="http://schemas.microsoft.com/office/drawing/2010/main">
-                <a:solidFill>
-                  <a:srgbClr val="FFFFFF"/>
-                </a:solidFill>
-              </a14:hiddenFill>
-            </a:ext>
-          </a:extLst>
-        </p:spPr>
-      </p:pic>
-      <p:pic>
-        <p:nvPicPr>
-          <p:cNvPr id="1036" name="Picture 12" descr="Resultado de imagem para bash"/>
-          <p:cNvPicPr>
-            <a:picLocks noChangeAspect="1" noChangeArrowheads="1"/>
-          </p:cNvPicPr>
-          <p:nvPr/>
-        </p:nvPicPr>
-        <p:blipFill>
-          <a:blip r:embed="rId7">
-            <a:extLst>
-              <a:ext uri="{28A0092B-C50C-407E-A947-70E740481C1C}">
-                <a14:useLocalDpi xmlns:a14="http://schemas.microsoft.com/office/drawing/2010/main" val="0"/>
-              </a:ext>
-            </a:extLst>
-          </a:blip>
-          <a:srcRect/>
-          <a:stretch>
-            <a:fillRect/>
-          </a:stretch>
-        </p:blipFill>
-        <p:spPr bwMode="auto">
-          <a:xfrm>
-            <a:off x="8224157" y="-1538288"/>
-            <a:ext cx="3581400" cy="1504950"/>
-          </a:xfrm>
-          <a:prstGeom prst="rect">
-            <a:avLst/>
-          </a:prstGeom>
-          <a:noFill/>
-          <a:extLst>
-            <a:ext uri="{909E8E84-426E-40DD-AFC4-6F175D3DCCD1}">
-              <a14:hiddenFill xmlns:a14="http://schemas.microsoft.com/office/drawing/2010/main">
-                <a:solidFill>
-                  <a:srgbClr val="FFFFFF"/>
-                </a:solidFill>
-              </a14:hiddenFill>
-            </a:ext>
-          </a:extLst>
-        </p:spPr>
-      </p:pic>
-      <p:pic>
-        <p:nvPicPr>
-          <p:cNvPr id="1038" name="Picture 14" descr="Resultado de imagem para python"/>
-          <p:cNvPicPr>
-            <a:picLocks noChangeAspect="1" noChangeArrowheads="1"/>
-          </p:cNvPicPr>
-          <p:nvPr/>
-        </p:nvPicPr>
-        <p:blipFill>
-          <a:blip r:embed="rId8">
-            <a:extLst>
-              <a:ext uri="{28A0092B-C50C-407E-A947-70E740481C1C}">
-                <a14:useLocalDpi xmlns:a14="http://schemas.microsoft.com/office/drawing/2010/main" val="0"/>
-              </a:ext>
-            </a:extLst>
-          </a:blip>
-          <a:srcRect/>
-          <a:stretch>
-            <a:fillRect/>
-          </a:stretch>
-        </p:blipFill>
-        <p:spPr bwMode="auto">
-          <a:xfrm>
-            <a:off x="1042081" y="-1689100"/>
-            <a:ext cx="5724525" cy="1933575"/>
-          </a:xfrm>
-          <a:prstGeom prst="rect">
-            <a:avLst/>
-          </a:prstGeom>
-          <a:noFill/>
-          <a:extLst>
-            <a:ext uri="{909E8E84-426E-40DD-AFC4-6F175D3DCCD1}">
-              <a14:hiddenFill xmlns:a14="http://schemas.microsoft.com/office/drawing/2010/main">
-                <a:solidFill>
-                  <a:srgbClr val="FFFFFF"/>
-                </a:solidFill>
-              </a14:hiddenFill>
-            </a:ext>
-          </a:extLst>
-        </p:spPr>
-      </p:pic>
-    </p:spTree>
-    <p:extLst>
-      <p:ext uri="{BB962C8B-B14F-4D97-AF65-F5344CB8AC3E}">
-        <p14:creationId xmlns:p14="http://schemas.microsoft.com/office/powerpoint/2010/main" val="616941332"/>
-      </p:ext>
-    </p:extLst>
-  </p:cSld>
-  <p:clrMapOvr>
-    <a:masterClrMapping/>
-  </p:clrMapOvr>
-</p:sld>
-</file>
-
-<file path=ppt/slides/slide22.xml><?xml version="1.0" encoding="utf-8"?>
-<p:sld xmlns:a="http://schemas.openxmlformats.org/drawingml/2006/main" xmlns:r="http://schemas.openxmlformats.org/officeDocument/2006/relationships" xmlns:p="http://schemas.openxmlformats.org/presentationml/2006/main" show="0">
-  <p:cSld>
-    <p:spTree>
-      <p:nvGrpSpPr>
-        <p:cNvPr id="1" name=""/>
-        <p:cNvGrpSpPr/>
-        <p:nvPr/>
-      </p:nvGrpSpPr>
-      <p:grpSpPr>
-        <a:xfrm>
-          <a:off x="0" y="0"/>
-          <a:ext cx="0" cy="0"/>
-          <a:chOff x="0" y="0"/>
-          <a:chExt cx="0" cy="0"/>
-        </a:xfrm>
-      </p:grpSpPr>
-      <p:pic>
-        <p:nvPicPr>
-          <p:cNvPr id="7" name="Imagem 6"/>
-          <p:cNvPicPr>
-            <a:picLocks noChangeAspect="1"/>
-          </p:cNvPicPr>
-          <p:nvPr/>
-        </p:nvPicPr>
-        <p:blipFill>
-          <a:blip r:embed="rId2"/>
-          <a:stretch>
-            <a:fillRect/>
-          </a:stretch>
-        </p:blipFill>
-        <p:spPr>
-          <a:xfrm>
-            <a:off x="6610350" y="1949677"/>
-            <a:ext cx="5581650" cy="3800475"/>
-          </a:xfrm>
-          <a:prstGeom prst="rect">
-            <a:avLst/>
-          </a:prstGeom>
-        </p:spPr>
-      </p:pic>
-      <p:pic>
-        <p:nvPicPr>
-          <p:cNvPr id="8" name="Imagem 7"/>
-          <p:cNvPicPr>
-            <a:picLocks noChangeAspect="1"/>
-          </p:cNvPicPr>
-          <p:nvPr/>
-        </p:nvPicPr>
-        <p:blipFill>
-          <a:blip r:embed="rId3"/>
-          <a:stretch>
-            <a:fillRect/>
-          </a:stretch>
-        </p:blipFill>
-        <p:spPr>
-          <a:xfrm>
-            <a:off x="0" y="0"/>
-            <a:ext cx="7070069" cy="3976914"/>
-          </a:xfrm>
-          <a:prstGeom prst="rect">
-            <a:avLst/>
-          </a:prstGeom>
-        </p:spPr>
-      </p:pic>
-    </p:spTree>
-    <p:extLst>
-      <p:ext uri="{BB962C8B-B14F-4D97-AF65-F5344CB8AC3E}">
-        <p14:creationId xmlns:p14="http://schemas.microsoft.com/office/powerpoint/2010/main" val="1239792831"/>
       </p:ext>
     </p:extLst>
   </p:cSld>
@@ -10016,7 +8203,7 @@
 </file>
 
 <file path=ppt/slides/slide4.xml><?xml version="1.0" encoding="utf-8"?>
-<p:sld xmlns:a="http://schemas.openxmlformats.org/drawingml/2006/main" xmlns:r="http://schemas.openxmlformats.org/officeDocument/2006/relationships" xmlns:p="http://schemas.openxmlformats.org/presentationml/2006/main">
+<p:sld xmlns:a="http://schemas.openxmlformats.org/drawingml/2006/main" xmlns:r="http://schemas.openxmlformats.org/officeDocument/2006/relationships" xmlns:p="http://schemas.openxmlformats.org/presentationml/2006/main" show="0">
   <p:cSld>
     <p:spTree>
       <p:nvGrpSpPr>

--- a/paper/Apresentação MonetDB v2.pptx
+++ b/paper/Apresentação MonetDB v2.pptx
@@ -5,7 +5,7 @@
     <p:sldMasterId id="2147483648" r:id="rId1"/>
   </p:sldMasterIdLst>
   <p:notesMasterIdLst>
-    <p:notesMasterId r:id="rId20"/>
+    <p:notesMasterId r:id="rId23"/>
   </p:notesMasterIdLst>
   <p:sldIdLst>
     <p:sldId id="258" r:id="rId2"/>
@@ -19,13 +19,16 @@
     <p:sldId id="265" r:id="rId10"/>
     <p:sldId id="268" r:id="rId11"/>
     <p:sldId id="269" r:id="rId12"/>
-    <p:sldId id="270" r:id="rId13"/>
-    <p:sldId id="271" r:id="rId14"/>
-    <p:sldId id="277" r:id="rId15"/>
-    <p:sldId id="272" r:id="rId16"/>
-    <p:sldId id="273" r:id="rId17"/>
-    <p:sldId id="276" r:id="rId18"/>
-    <p:sldId id="275" r:id="rId19"/>
+    <p:sldId id="278" r:id="rId13"/>
+    <p:sldId id="280" r:id="rId14"/>
+    <p:sldId id="271" r:id="rId15"/>
+    <p:sldId id="270" r:id="rId16"/>
+    <p:sldId id="277" r:id="rId17"/>
+    <p:sldId id="279" r:id="rId18"/>
+    <p:sldId id="281" r:id="rId19"/>
+    <p:sldId id="273" r:id="rId20"/>
+    <p:sldId id="276" r:id="rId21"/>
+    <p:sldId id="275" r:id="rId22"/>
   </p:sldIdLst>
   <p:sldSz cx="12192000" cy="6858000"/>
   <p:notesSz cx="6858000" cy="9144000"/>
@@ -229,7 +232,7 @@
           <a:p>
             <a:fld id="{5C0E7D8B-0ED7-4F80-822C-BAC1C74E2742}" type="datetimeFigureOut">
               <a:rPr lang="pt-BR" smtClean="0"/>
-              <a:t>11/05/2017</a:t>
+              <a:t>12/05/2017</a:t>
             </a:fld>
             <a:endParaRPr lang="pt-BR"/>
           </a:p>
@@ -793,7 +796,7 @@
           <a:p>
             <a:fld id="{C6F09D17-97FB-43F2-965C-15A411039A34}" type="datetimeFigureOut">
               <a:rPr lang="pt-BR" smtClean="0"/>
-              <a:t>11/05/2017</a:t>
+              <a:t>12/05/2017</a:t>
             </a:fld>
             <a:endParaRPr lang="pt-BR"/>
           </a:p>
@@ -961,7 +964,7 @@
           <a:p>
             <a:fld id="{C6F09D17-97FB-43F2-965C-15A411039A34}" type="datetimeFigureOut">
               <a:rPr lang="pt-BR" smtClean="0"/>
-              <a:t>11/05/2017</a:t>
+              <a:t>12/05/2017</a:t>
             </a:fld>
             <a:endParaRPr lang="pt-BR"/>
           </a:p>
@@ -1139,7 +1142,7 @@
           <a:p>
             <a:fld id="{C6F09D17-97FB-43F2-965C-15A411039A34}" type="datetimeFigureOut">
               <a:rPr lang="pt-BR" smtClean="0"/>
-              <a:t>11/05/2017</a:t>
+              <a:t>12/05/2017</a:t>
             </a:fld>
             <a:endParaRPr lang="pt-BR"/>
           </a:p>
@@ -1307,7 +1310,7 @@
           <a:p>
             <a:fld id="{C6F09D17-97FB-43F2-965C-15A411039A34}" type="datetimeFigureOut">
               <a:rPr lang="pt-BR" smtClean="0"/>
-              <a:t>11/05/2017</a:t>
+              <a:t>12/05/2017</a:t>
             </a:fld>
             <a:endParaRPr lang="pt-BR"/>
           </a:p>
@@ -1552,7 +1555,7 @@
           <a:p>
             <a:fld id="{C6F09D17-97FB-43F2-965C-15A411039A34}" type="datetimeFigureOut">
               <a:rPr lang="pt-BR" smtClean="0"/>
-              <a:t>11/05/2017</a:t>
+              <a:t>12/05/2017</a:t>
             </a:fld>
             <a:endParaRPr lang="pt-BR"/>
           </a:p>
@@ -1781,7 +1784,7 @@
           <a:p>
             <a:fld id="{C6F09D17-97FB-43F2-965C-15A411039A34}" type="datetimeFigureOut">
               <a:rPr lang="pt-BR" smtClean="0"/>
-              <a:t>11/05/2017</a:t>
+              <a:t>12/05/2017</a:t>
             </a:fld>
             <a:endParaRPr lang="pt-BR"/>
           </a:p>
@@ -2145,7 +2148,7 @@
           <a:p>
             <a:fld id="{C6F09D17-97FB-43F2-965C-15A411039A34}" type="datetimeFigureOut">
               <a:rPr lang="pt-BR" smtClean="0"/>
-              <a:t>11/05/2017</a:t>
+              <a:t>12/05/2017</a:t>
             </a:fld>
             <a:endParaRPr lang="pt-BR"/>
           </a:p>
@@ -2262,7 +2265,7 @@
           <a:p>
             <a:fld id="{C6F09D17-97FB-43F2-965C-15A411039A34}" type="datetimeFigureOut">
               <a:rPr lang="pt-BR" smtClean="0"/>
-              <a:t>11/05/2017</a:t>
+              <a:t>12/05/2017</a:t>
             </a:fld>
             <a:endParaRPr lang="pt-BR"/>
           </a:p>
@@ -2357,7 +2360,7 @@
           <a:p>
             <a:fld id="{C6F09D17-97FB-43F2-965C-15A411039A34}" type="datetimeFigureOut">
               <a:rPr lang="pt-BR" smtClean="0"/>
-              <a:t>11/05/2017</a:t>
+              <a:t>12/05/2017</a:t>
             </a:fld>
             <a:endParaRPr lang="pt-BR"/>
           </a:p>
@@ -2632,7 +2635,7 @@
           <a:p>
             <a:fld id="{C6F09D17-97FB-43F2-965C-15A411039A34}" type="datetimeFigureOut">
               <a:rPr lang="pt-BR" smtClean="0"/>
-              <a:t>11/05/2017</a:t>
+              <a:t>12/05/2017</a:t>
             </a:fld>
             <a:endParaRPr lang="pt-BR"/>
           </a:p>
@@ -2884,7 +2887,7 @@
           <a:p>
             <a:fld id="{C6F09D17-97FB-43F2-965C-15A411039A34}" type="datetimeFigureOut">
               <a:rPr lang="pt-BR" smtClean="0"/>
-              <a:t>11/05/2017</a:t>
+              <a:t>12/05/2017</a:t>
             </a:fld>
             <a:endParaRPr lang="pt-BR"/>
           </a:p>
@@ -3095,7 +3098,7 @@
           <a:p>
             <a:fld id="{C6F09D17-97FB-43F2-965C-15A411039A34}" type="datetimeFigureOut">
               <a:rPr lang="pt-BR" smtClean="0"/>
-              <a:t>11/05/2017</a:t>
+              <a:t>12/05/2017</a:t>
             </a:fld>
             <a:endParaRPr lang="pt-BR"/>
           </a:p>
@@ -4083,7 +4086,7 @@
                   </a:schemeClr>
                 </a:solidFill>
               </a:rPr>
-              <a:t>, valor e UF)</a:t>
+              <a:t>, valor, CPF e UF)</a:t>
             </a:r>
           </a:p>
           <a:p>
@@ -5810,6 +5813,754 @@
 </file>
 
 <file path=ppt/slides/slide12.xml><?xml version="1.0" encoding="utf-8"?>
+<p:sld xmlns:a="http://schemas.openxmlformats.org/drawingml/2006/main" xmlns:r="http://schemas.openxmlformats.org/officeDocument/2006/relationships" xmlns:p="http://schemas.openxmlformats.org/presentationml/2006/main">
+  <p:cSld>
+    <p:spTree>
+      <p:nvGrpSpPr>
+        <p:cNvPr id="1" name=""/>
+        <p:cNvGrpSpPr/>
+        <p:nvPr/>
+      </p:nvGrpSpPr>
+      <p:grpSpPr>
+        <a:xfrm>
+          <a:off x="0" y="0"/>
+          <a:ext cx="0" cy="0"/>
+          <a:chOff x="0" y="0"/>
+          <a:chExt cx="0" cy="0"/>
+        </a:xfrm>
+      </p:grpSpPr>
+      <p:sp>
+        <p:nvSpPr>
+          <p:cNvPr id="2" name="Retângulo: Cantos Arredondados 1"/>
+          <p:cNvSpPr/>
+          <p:nvPr/>
+        </p:nvSpPr>
+        <p:spPr>
+          <a:xfrm>
+            <a:off x="961846" y="894624"/>
+            <a:ext cx="1472650" cy="914400"/>
+          </a:xfrm>
+          <a:prstGeom prst="roundRect">
+            <a:avLst/>
+          </a:prstGeom>
+          <a:solidFill>
+            <a:schemeClr val="bg1">
+              <a:lumMod val="50000"/>
+            </a:schemeClr>
+          </a:solidFill>
+          <a:ln>
+            <a:noFill/>
+          </a:ln>
+        </p:spPr>
+        <p:style>
+          <a:lnRef idx="2">
+            <a:schemeClr val="accent1">
+              <a:shade val="50000"/>
+            </a:schemeClr>
+          </a:lnRef>
+          <a:fillRef idx="1">
+            <a:schemeClr val="accent1"/>
+          </a:fillRef>
+          <a:effectRef idx="0">
+            <a:schemeClr val="accent1"/>
+          </a:effectRef>
+          <a:fontRef idx="minor">
+            <a:schemeClr val="lt1"/>
+          </a:fontRef>
+        </p:style>
+        <p:txBody>
+          <a:bodyPr rtlCol="0" anchor="ctr"/>
+          <a:lstStyle/>
+          <a:p>
+            <a:pPr algn="ctr"/>
+            <a:r>
+              <a:rPr lang="pt-BR" sz="1600" dirty="0"/>
+              <a:t>Geração das amostras</a:t>
+            </a:r>
+          </a:p>
+        </p:txBody>
+      </p:sp>
+      <p:sp>
+        <p:nvSpPr>
+          <p:cNvPr id="3" name="CaixaDeTexto 2"/>
+          <p:cNvSpPr txBox="1"/>
+          <p:nvPr/>
+        </p:nvSpPr>
+        <p:spPr>
+          <a:xfrm>
+            <a:off x="833120" y="267063"/>
+            <a:ext cx="8540797" cy="584775"/>
+          </a:xfrm>
+          <a:prstGeom prst="rect">
+            <a:avLst/>
+          </a:prstGeom>
+          <a:noFill/>
+        </p:spPr>
+        <p:txBody>
+          <a:bodyPr wrap="square" rtlCol="0" anchor="ctr">
+            <a:spAutoFit/>
+          </a:bodyPr>
+          <a:lstStyle>
+            <a:defPPr>
+              <a:defRPr lang="pt-BR"/>
+            </a:defPPr>
+            <a:lvl1pPr>
+              <a:defRPr sz="3200">
+                <a:solidFill>
+                  <a:srgbClr val="4C3D6C"/>
+                </a:solidFill>
+                <a:latin typeface="Bebas Neue" panose="020B0606020202050201" pitchFamily="34" charset="0"/>
+              </a:defRPr>
+            </a:lvl1pPr>
+          </a:lstStyle>
+          <a:p>
+            <a:r>
+              <a:rPr lang="pt-BR" dirty="0">
+                <a:latin typeface="Trebuchet MS" panose="020B0603020202020204" pitchFamily="34" charset="0"/>
+              </a:rPr>
+              <a:t>DESENVOLVIMENTO DO TRABALHO</a:t>
+            </a:r>
+          </a:p>
+        </p:txBody>
+      </p:sp>
+      <p:sp>
+        <p:nvSpPr>
+          <p:cNvPr id="9" name="CaixaDeTexto 8"/>
+          <p:cNvSpPr txBox="1"/>
+          <p:nvPr/>
+        </p:nvSpPr>
+        <p:spPr>
+          <a:xfrm>
+            <a:off x="705017" y="2104683"/>
+            <a:ext cx="4912012" cy="1077218"/>
+          </a:xfrm>
+          <a:prstGeom prst="rect">
+            <a:avLst/>
+          </a:prstGeom>
+          <a:noFill/>
+        </p:spPr>
+        <p:txBody>
+          <a:bodyPr wrap="square" rtlCol="0" anchor="ctr">
+            <a:spAutoFit/>
+          </a:bodyPr>
+          <a:lstStyle>
+            <a:defPPr>
+              <a:defRPr lang="pt-BR"/>
+            </a:defPPr>
+            <a:lvl1pPr>
+              <a:defRPr sz="3200">
+                <a:solidFill>
+                  <a:srgbClr val="4C3D6C"/>
+                </a:solidFill>
+                <a:latin typeface="Bebas Neue" panose="020B0606020202050201" pitchFamily="34" charset="0"/>
+              </a:defRPr>
+            </a:lvl1pPr>
+          </a:lstStyle>
+          <a:p>
+            <a:pPr>
+              <a:spcAft>
+                <a:spcPts val="600"/>
+              </a:spcAft>
+            </a:pPr>
+            <a:r>
+              <a:rPr lang="pt-BR" sz="1800" dirty="0">
+                <a:solidFill>
+                  <a:schemeClr val="tx1"/>
+                </a:solidFill>
+                <a:latin typeface="Arial" panose="020B0604020202020204" pitchFamily="34" charset="0"/>
+                <a:cs typeface="Arial" panose="020B0604020202020204" pitchFamily="34" charset="0"/>
+              </a:rPr>
+              <a:t>Dados populacionais sobre o valor recebido:</a:t>
+            </a:r>
+          </a:p>
+          <a:p>
+            <a:pPr marL="285750" indent="-285750">
+              <a:spcAft>
+                <a:spcPts val="600"/>
+              </a:spcAft>
+              <a:buFont typeface="Wingdings" panose="05000000000000000000" pitchFamily="2" charset="2"/>
+              <a:buChar char="§"/>
+            </a:pPr>
+            <a:r>
+              <a:rPr lang="pt-BR" sz="1800" dirty="0">
+                <a:solidFill>
+                  <a:schemeClr val="tx1"/>
+                </a:solidFill>
+                <a:latin typeface="Arial" panose="020B0604020202020204" pitchFamily="34" charset="0"/>
+                <a:cs typeface="Arial" panose="020B0604020202020204" pitchFamily="34" charset="0"/>
+              </a:rPr>
+              <a:t>Média: </a:t>
+            </a:r>
+            <a:r>
+              <a:rPr lang="pt-BR" sz="1800" b="1" dirty="0">
+                <a:solidFill>
+                  <a:schemeClr val="tx1"/>
+                </a:solidFill>
+                <a:latin typeface="Arial" panose="020B0604020202020204" pitchFamily="34" charset="0"/>
+                <a:cs typeface="Arial" panose="020B0604020202020204" pitchFamily="34" charset="0"/>
+              </a:rPr>
+              <a:t>R$148,22</a:t>
+            </a:r>
+          </a:p>
+          <a:p>
+            <a:pPr marL="285750" indent="-285750">
+              <a:spcAft>
+                <a:spcPts val="600"/>
+              </a:spcAft>
+              <a:buFont typeface="Wingdings" panose="05000000000000000000" pitchFamily="2" charset="2"/>
+              <a:buChar char="§"/>
+            </a:pPr>
+            <a:r>
+              <a:rPr lang="pt-BR" sz="1800" dirty="0">
+                <a:solidFill>
+                  <a:schemeClr val="tx1"/>
+                </a:solidFill>
+                <a:latin typeface="Arial" panose="020B0604020202020204" pitchFamily="34" charset="0"/>
+                <a:cs typeface="Arial" panose="020B0604020202020204" pitchFamily="34" charset="0"/>
+              </a:rPr>
+              <a:t>Desvio padrão: R</a:t>
+            </a:r>
+            <a:r>
+              <a:rPr lang="pt-BR" sz="1800" b="1" dirty="0">
+                <a:solidFill>
+                  <a:schemeClr val="tx1"/>
+                </a:solidFill>
+                <a:latin typeface="Arial" panose="020B0604020202020204" pitchFamily="34" charset="0"/>
+                <a:cs typeface="Arial" panose="020B0604020202020204" pitchFamily="34" charset="0"/>
+              </a:rPr>
+              <a:t>$ 83,27</a:t>
+            </a:r>
+          </a:p>
+        </p:txBody>
+      </p:sp>
+      <p:pic>
+        <p:nvPicPr>
+          <p:cNvPr id="10" name="Picture 1"/>
+          <p:cNvPicPr>
+            <a:picLocks noChangeAspect="1" noChangeArrowheads="1"/>
+          </p:cNvPicPr>
+          <p:nvPr/>
+        </p:nvPicPr>
+        <p:blipFill rotWithShape="1">
+          <a:blip r:embed="rId2">
+            <a:extLst>
+              <a:ext uri="{28A0092B-C50C-407E-A947-70E740481C1C}">
+                <a14:useLocalDpi xmlns:a14="http://schemas.microsoft.com/office/drawing/2010/main" val="0"/>
+              </a:ext>
+            </a:extLst>
+          </a:blip>
+          <a:srcRect l="39224" t="40714" r="40464" b="45715"/>
+          <a:stretch/>
+        </p:blipFill>
+        <p:spPr bwMode="auto">
+          <a:xfrm>
+            <a:off x="642616" y="3243457"/>
+            <a:ext cx="4380494" cy="1645577"/>
+          </a:xfrm>
+          <a:prstGeom prst="rect">
+            <a:avLst/>
+          </a:prstGeom>
+          <a:noFill/>
+          <a:ln>
+            <a:noFill/>
+          </a:ln>
+          <a:extLst>
+            <a:ext uri="{909E8E84-426E-40DD-AFC4-6F175D3DCCD1}">
+              <a14:hiddenFill xmlns:a14="http://schemas.microsoft.com/office/drawing/2010/main">
+                <a:solidFill>
+                  <a:schemeClr val="accent1"/>
+                </a:solidFill>
+              </a14:hiddenFill>
+            </a:ext>
+            <a:ext uri="{91240B29-F687-4F45-9708-019B960494DF}">
+              <a14:hiddenLine xmlns:a14="http://schemas.microsoft.com/office/drawing/2010/main" w="9525">
+                <a:solidFill>
+                  <a:schemeClr val="tx1"/>
+                </a:solidFill>
+                <a:miter lim="800000"/>
+                <a:headEnd/>
+                <a:tailEnd/>
+              </a14:hiddenLine>
+            </a:ext>
+          </a:extLst>
+        </p:spPr>
+      </p:pic>
+      <p:sp>
+        <p:nvSpPr>
+          <p:cNvPr id="12" name="CaixaDeTexto 11"/>
+          <p:cNvSpPr txBox="1"/>
+          <p:nvPr/>
+        </p:nvSpPr>
+        <p:spPr>
+          <a:xfrm>
+            <a:off x="698996" y="5102664"/>
+            <a:ext cx="5024634" cy="723275"/>
+          </a:xfrm>
+          <a:prstGeom prst="rect">
+            <a:avLst/>
+          </a:prstGeom>
+          <a:noFill/>
+        </p:spPr>
+        <p:txBody>
+          <a:bodyPr wrap="square" rtlCol="0" anchor="ctr">
+            <a:spAutoFit/>
+          </a:bodyPr>
+          <a:lstStyle>
+            <a:defPPr>
+              <a:defRPr lang="pt-BR"/>
+            </a:defPPr>
+            <a:lvl1pPr>
+              <a:defRPr sz="3200">
+                <a:solidFill>
+                  <a:srgbClr val="4C3D6C"/>
+                </a:solidFill>
+                <a:latin typeface="Bebas Neue" panose="020B0606020202050201" pitchFamily="34" charset="0"/>
+              </a:defRPr>
+            </a:lvl1pPr>
+          </a:lstStyle>
+          <a:p>
+            <a:pPr>
+              <a:spcAft>
+                <a:spcPts val="600"/>
+              </a:spcAft>
+            </a:pPr>
+            <a:r>
+              <a:rPr lang="pt-BR" sz="1800" dirty="0">
+                <a:solidFill>
+                  <a:schemeClr val="tx1"/>
+                </a:solidFill>
+                <a:latin typeface="Arial" panose="020B0604020202020204" pitchFamily="34" charset="0"/>
+                <a:cs typeface="Arial" panose="020B0604020202020204" pitchFamily="34" charset="0"/>
+              </a:rPr>
+              <a:t>Amostra suficiente: </a:t>
+            </a:r>
+            <a:r>
+              <a:rPr lang="pt-BR" sz="1800" b="1" dirty="0">
+                <a:solidFill>
+                  <a:schemeClr val="tx1"/>
+                </a:solidFill>
+                <a:latin typeface="Arial" panose="020B0604020202020204" pitchFamily="34" charset="0"/>
+                <a:cs typeface="Arial" panose="020B0604020202020204" pitchFamily="34" charset="0"/>
+              </a:rPr>
+              <a:t>1.347</a:t>
+            </a:r>
+          </a:p>
+          <a:p>
+            <a:pPr>
+              <a:spcAft>
+                <a:spcPts val="600"/>
+              </a:spcAft>
+            </a:pPr>
+            <a:r>
+              <a:rPr lang="pt-BR" sz="1800" dirty="0">
+                <a:solidFill>
+                  <a:schemeClr val="tx1"/>
+                </a:solidFill>
+                <a:latin typeface="Arial" panose="020B0604020202020204" pitchFamily="34" charset="0"/>
+                <a:cs typeface="Arial" panose="020B0604020202020204" pitchFamily="34" charset="0"/>
+              </a:rPr>
+              <a:t>Intervalo de confiança: </a:t>
+            </a:r>
+            <a:r>
+              <a:rPr lang="pt-BR" sz="1800" b="1" dirty="0">
+                <a:solidFill>
+                  <a:schemeClr val="tx1"/>
+                </a:solidFill>
+                <a:latin typeface="Arial" panose="020B0604020202020204" pitchFamily="34" charset="0"/>
+                <a:cs typeface="Arial" panose="020B0604020202020204" pitchFamily="34" charset="0"/>
+              </a:rPr>
+              <a:t>(R$143,75, R$152,65)</a:t>
+            </a:r>
+          </a:p>
+        </p:txBody>
+      </p:sp>
+      <p:sp>
+        <p:nvSpPr>
+          <p:cNvPr id="14" name="CaixaDeTexto 13"/>
+          <p:cNvSpPr txBox="1"/>
+          <p:nvPr/>
+        </p:nvSpPr>
+        <p:spPr>
+          <a:xfrm>
+            <a:off x="6152228" y="2108196"/>
+            <a:ext cx="4912012" cy="1431161"/>
+          </a:xfrm>
+          <a:prstGeom prst="rect">
+            <a:avLst/>
+          </a:prstGeom>
+          <a:noFill/>
+        </p:spPr>
+        <p:txBody>
+          <a:bodyPr wrap="square" rtlCol="0" anchor="ctr">
+            <a:spAutoFit/>
+          </a:bodyPr>
+          <a:lstStyle>
+            <a:defPPr>
+              <a:defRPr lang="pt-BR"/>
+            </a:defPPr>
+            <a:lvl1pPr>
+              <a:defRPr sz="3200">
+                <a:solidFill>
+                  <a:srgbClr val="4C3D6C"/>
+                </a:solidFill>
+                <a:latin typeface="Bebas Neue" panose="020B0606020202050201" pitchFamily="34" charset="0"/>
+              </a:defRPr>
+            </a:lvl1pPr>
+          </a:lstStyle>
+          <a:p>
+            <a:pPr>
+              <a:spcAft>
+                <a:spcPts val="600"/>
+              </a:spcAft>
+            </a:pPr>
+            <a:r>
+              <a:rPr lang="pt-BR" sz="1800" dirty="0">
+                <a:solidFill>
+                  <a:schemeClr val="tx1"/>
+                </a:solidFill>
+                <a:latin typeface="Arial" panose="020B0604020202020204" pitchFamily="34" charset="0"/>
+                <a:cs typeface="Arial" panose="020B0604020202020204" pitchFamily="34" charset="0"/>
+              </a:rPr>
+              <a:t>Dados amostrais sobre o valor recebido:</a:t>
+            </a:r>
+          </a:p>
+          <a:p>
+            <a:pPr marL="285750" indent="-285750">
+              <a:spcAft>
+                <a:spcPts val="600"/>
+              </a:spcAft>
+              <a:buFont typeface="Wingdings" panose="05000000000000000000" pitchFamily="2" charset="2"/>
+              <a:buChar char="§"/>
+            </a:pPr>
+            <a:r>
+              <a:rPr lang="pt-BR" sz="1800" dirty="0">
+                <a:solidFill>
+                  <a:schemeClr val="tx1"/>
+                </a:solidFill>
+                <a:latin typeface="Arial" panose="020B0604020202020204" pitchFamily="34" charset="0"/>
+                <a:cs typeface="Arial" panose="020B0604020202020204" pitchFamily="34" charset="0"/>
+              </a:rPr>
+              <a:t>Média: </a:t>
+            </a:r>
+            <a:r>
+              <a:rPr lang="pt-BR" sz="1800" b="1" dirty="0">
+                <a:solidFill>
+                  <a:schemeClr val="tx1"/>
+                </a:solidFill>
+                <a:latin typeface="Arial" panose="020B0604020202020204" pitchFamily="34" charset="0"/>
+                <a:cs typeface="Arial" panose="020B0604020202020204" pitchFamily="34" charset="0"/>
+              </a:rPr>
+              <a:t>R$149,49</a:t>
+            </a:r>
+          </a:p>
+          <a:p>
+            <a:pPr marL="285750" indent="-285750">
+              <a:spcAft>
+                <a:spcPts val="600"/>
+              </a:spcAft>
+              <a:buFont typeface="Wingdings" panose="05000000000000000000" pitchFamily="2" charset="2"/>
+              <a:buChar char="§"/>
+            </a:pPr>
+            <a:r>
+              <a:rPr lang="pt-BR" sz="1800" dirty="0">
+                <a:solidFill>
+                  <a:schemeClr val="tx1"/>
+                </a:solidFill>
+                <a:latin typeface="Arial" panose="020B0604020202020204" pitchFamily="34" charset="0"/>
+                <a:cs typeface="Arial" panose="020B0604020202020204" pitchFamily="34" charset="0"/>
+              </a:rPr>
+              <a:t>Desvio padrão: R</a:t>
+            </a:r>
+            <a:r>
+              <a:rPr lang="pt-BR" sz="1800" b="1" dirty="0">
+                <a:solidFill>
+                  <a:schemeClr val="tx1"/>
+                </a:solidFill>
+                <a:latin typeface="Arial" panose="020B0604020202020204" pitchFamily="34" charset="0"/>
+                <a:cs typeface="Arial" panose="020B0604020202020204" pitchFamily="34" charset="0"/>
+              </a:rPr>
+              <a:t>$ 2,30</a:t>
+            </a:r>
+          </a:p>
+          <a:p>
+            <a:pPr marL="285750" indent="-285750">
+              <a:spcAft>
+                <a:spcPts val="600"/>
+              </a:spcAft>
+              <a:buFont typeface="Wingdings" panose="05000000000000000000" pitchFamily="2" charset="2"/>
+              <a:buChar char="§"/>
+            </a:pPr>
+            <a:r>
+              <a:rPr lang="pt-BR" sz="1800" dirty="0">
+                <a:solidFill>
+                  <a:schemeClr val="tx1"/>
+                </a:solidFill>
+                <a:latin typeface="Arial" panose="020B0604020202020204" pitchFamily="34" charset="0"/>
+                <a:cs typeface="Arial" panose="020B0604020202020204" pitchFamily="34" charset="0"/>
+              </a:rPr>
+              <a:t>Simulações</a:t>
+            </a:r>
+            <a:r>
+              <a:rPr lang="pt-BR" sz="1800" b="1" dirty="0">
+                <a:solidFill>
+                  <a:schemeClr val="tx1"/>
+                </a:solidFill>
+                <a:latin typeface="Arial" panose="020B0604020202020204" pitchFamily="34" charset="0"/>
+                <a:cs typeface="Arial" panose="020B0604020202020204" pitchFamily="34" charset="0"/>
+              </a:rPr>
+              <a:t>: 1.000</a:t>
+            </a:r>
+          </a:p>
+        </p:txBody>
+      </p:sp>
+    </p:spTree>
+    <p:extLst>
+      <p:ext uri="{BB962C8B-B14F-4D97-AF65-F5344CB8AC3E}">
+        <p14:creationId xmlns:p14="http://schemas.microsoft.com/office/powerpoint/2010/main" val="147125364"/>
+      </p:ext>
+    </p:extLst>
+  </p:cSld>
+  <p:clrMapOvr>
+    <a:masterClrMapping/>
+  </p:clrMapOvr>
+</p:sld>
+</file>
+
+<file path=ppt/slides/slide13.xml><?xml version="1.0" encoding="utf-8"?>
+<p:sld xmlns:a="http://schemas.openxmlformats.org/drawingml/2006/main" xmlns:r="http://schemas.openxmlformats.org/officeDocument/2006/relationships" xmlns:p="http://schemas.openxmlformats.org/presentationml/2006/main">
+  <p:cSld>
+    <p:spTree>
+      <p:nvGrpSpPr>
+        <p:cNvPr id="1" name=""/>
+        <p:cNvGrpSpPr/>
+        <p:nvPr/>
+      </p:nvGrpSpPr>
+      <p:grpSpPr>
+        <a:xfrm>
+          <a:off x="0" y="0"/>
+          <a:ext cx="0" cy="0"/>
+          <a:chOff x="0" y="0"/>
+          <a:chExt cx="0" cy="0"/>
+        </a:xfrm>
+      </p:grpSpPr>
+      <p:sp>
+        <p:nvSpPr>
+          <p:cNvPr id="2" name="Retângulo: Cantos Arredondados 1"/>
+          <p:cNvSpPr/>
+          <p:nvPr/>
+        </p:nvSpPr>
+        <p:spPr>
+          <a:xfrm>
+            <a:off x="961846" y="894624"/>
+            <a:ext cx="1472650" cy="914400"/>
+          </a:xfrm>
+          <a:prstGeom prst="roundRect">
+            <a:avLst/>
+          </a:prstGeom>
+          <a:solidFill>
+            <a:schemeClr val="bg1">
+              <a:lumMod val="50000"/>
+            </a:schemeClr>
+          </a:solidFill>
+          <a:ln>
+            <a:noFill/>
+          </a:ln>
+        </p:spPr>
+        <p:style>
+          <a:lnRef idx="2">
+            <a:schemeClr val="accent1">
+              <a:shade val="50000"/>
+            </a:schemeClr>
+          </a:lnRef>
+          <a:fillRef idx="1">
+            <a:schemeClr val="accent1"/>
+          </a:fillRef>
+          <a:effectRef idx="0">
+            <a:schemeClr val="accent1"/>
+          </a:effectRef>
+          <a:fontRef idx="minor">
+            <a:schemeClr val="lt1"/>
+          </a:fontRef>
+        </p:style>
+        <p:txBody>
+          <a:bodyPr rtlCol="0" anchor="ctr"/>
+          <a:lstStyle/>
+          <a:p>
+            <a:pPr algn="ctr"/>
+            <a:r>
+              <a:rPr lang="pt-BR" sz="1600" dirty="0"/>
+              <a:t>Geração das amostras</a:t>
+            </a:r>
+          </a:p>
+        </p:txBody>
+      </p:sp>
+      <p:sp>
+        <p:nvSpPr>
+          <p:cNvPr id="3" name="CaixaDeTexto 2"/>
+          <p:cNvSpPr txBox="1"/>
+          <p:nvPr/>
+        </p:nvSpPr>
+        <p:spPr>
+          <a:xfrm>
+            <a:off x="833120" y="267063"/>
+            <a:ext cx="8540797" cy="584775"/>
+          </a:xfrm>
+          <a:prstGeom prst="rect">
+            <a:avLst/>
+          </a:prstGeom>
+          <a:noFill/>
+        </p:spPr>
+        <p:txBody>
+          <a:bodyPr wrap="square" rtlCol="0" anchor="ctr">
+            <a:spAutoFit/>
+          </a:bodyPr>
+          <a:lstStyle>
+            <a:defPPr>
+              <a:defRPr lang="pt-BR"/>
+            </a:defPPr>
+            <a:lvl1pPr>
+              <a:defRPr sz="3200">
+                <a:solidFill>
+                  <a:srgbClr val="4C3D6C"/>
+                </a:solidFill>
+                <a:latin typeface="Bebas Neue" panose="020B0606020202050201" pitchFamily="34" charset="0"/>
+              </a:defRPr>
+            </a:lvl1pPr>
+          </a:lstStyle>
+          <a:p>
+            <a:r>
+              <a:rPr lang="pt-BR" dirty="0">
+                <a:latin typeface="Trebuchet MS" panose="020B0603020202020204" pitchFamily="34" charset="0"/>
+              </a:rPr>
+              <a:t>DESENVOLVIMENTO DO TRABALHO</a:t>
+            </a:r>
+          </a:p>
+        </p:txBody>
+      </p:sp>
+      <p:pic>
+        <p:nvPicPr>
+          <p:cNvPr id="8" name="Picture 1"/>
+          <p:cNvPicPr>
+            <a:picLocks noChangeAspect="1" noChangeArrowheads="1"/>
+          </p:cNvPicPr>
+          <p:nvPr/>
+        </p:nvPicPr>
+        <p:blipFill>
+          <a:blip r:embed="rId2">
+            <a:extLst>
+              <a:ext uri="{28A0092B-C50C-407E-A947-70E740481C1C}">
+                <a14:useLocalDpi xmlns:a14="http://schemas.microsoft.com/office/drawing/2010/main" val="0"/>
+              </a:ext>
+            </a:extLst>
+          </a:blip>
+          <a:srcRect/>
+          <a:stretch>
+            <a:fillRect/>
+          </a:stretch>
+        </p:blipFill>
+        <p:spPr bwMode="auto">
+          <a:xfrm>
+            <a:off x="3551831" y="868272"/>
+            <a:ext cx="7872153" cy="6006162"/>
+          </a:xfrm>
+          <a:prstGeom prst="rect">
+            <a:avLst/>
+          </a:prstGeom>
+          <a:noFill/>
+          <a:ln>
+            <a:noFill/>
+          </a:ln>
+          <a:effectLst/>
+          <a:extLst>
+            <a:ext uri="{909E8E84-426E-40DD-AFC4-6F175D3DCCD1}">
+              <a14:hiddenFill xmlns:a14="http://schemas.microsoft.com/office/drawing/2010/main">
+                <a:solidFill>
+                  <a:schemeClr val="accent1"/>
+                </a:solidFill>
+              </a14:hiddenFill>
+            </a:ext>
+            <a:ext uri="{91240B29-F687-4F45-9708-019B960494DF}">
+              <a14:hiddenLine xmlns:a14="http://schemas.microsoft.com/office/drawing/2010/main" w="9525">
+                <a:solidFill>
+                  <a:schemeClr val="tx1"/>
+                </a:solidFill>
+                <a:miter lim="800000"/>
+                <a:headEnd/>
+                <a:tailEnd/>
+              </a14:hiddenLine>
+            </a:ext>
+            <a:ext uri="{AF507438-7753-43E0-B8FC-AC1667EBCBE1}">
+              <a14:hiddenEffects xmlns:a14="http://schemas.microsoft.com/office/drawing/2010/main">
+                <a:effectLst>
+                  <a:outerShdw dist="35921" dir="2700000" algn="ctr" rotWithShape="0">
+                    <a:schemeClr val="bg2"/>
+                  </a:outerShdw>
+                </a:effectLst>
+              </a14:hiddenEffects>
+            </a:ext>
+          </a:extLst>
+        </p:spPr>
+      </p:pic>
+      <p:sp>
+        <p:nvSpPr>
+          <p:cNvPr id="4" name="Retângulo 3"/>
+          <p:cNvSpPr/>
+          <p:nvPr/>
+        </p:nvSpPr>
+        <p:spPr>
+          <a:xfrm>
+            <a:off x="3362632" y="5368414"/>
+            <a:ext cx="8214852" cy="265471"/>
+          </a:xfrm>
+          <a:prstGeom prst="rect">
+            <a:avLst/>
+          </a:prstGeom>
+          <a:noFill/>
+          <a:ln w="38100">
+            <a:solidFill>
+              <a:srgbClr val="C00000"/>
+            </a:solidFill>
+          </a:ln>
+        </p:spPr>
+        <p:style>
+          <a:lnRef idx="2">
+            <a:schemeClr val="accent1">
+              <a:shade val="50000"/>
+            </a:schemeClr>
+          </a:lnRef>
+          <a:fillRef idx="1">
+            <a:schemeClr val="accent1"/>
+          </a:fillRef>
+          <a:effectRef idx="0">
+            <a:schemeClr val="accent1"/>
+          </a:effectRef>
+          <a:fontRef idx="minor">
+            <a:schemeClr val="lt1"/>
+          </a:fontRef>
+        </p:style>
+        <p:txBody>
+          <a:bodyPr rtlCol="0" anchor="ctr"/>
+          <a:lstStyle/>
+          <a:p>
+            <a:pPr algn="ctr"/>
+            <a:endParaRPr lang="pt-BR"/>
+          </a:p>
+        </p:txBody>
+      </p:sp>
+    </p:spTree>
+    <p:extLst>
+      <p:ext uri="{BB962C8B-B14F-4D97-AF65-F5344CB8AC3E}">
+        <p14:creationId xmlns:p14="http://schemas.microsoft.com/office/powerpoint/2010/main" val="527407552"/>
+      </p:ext>
+    </p:extLst>
+  </p:cSld>
+  <p:clrMapOvr>
+    <a:masterClrMapping/>
+  </p:clrMapOvr>
+</p:sld>
+</file>
+
+<file path=ppt/slides/slide14.xml><?xml version="1.0" encoding="utf-8"?>
 <p:sld xmlns:a="http://schemas.openxmlformats.org/drawingml/2006/main" xmlns:r="http://schemas.openxmlformats.org/officeDocument/2006/relationships" xmlns:p="http://schemas.openxmlformats.org/presentationml/2006/main" show="0">
   <p:cSld>
     <p:spTree>
@@ -5872,7 +6623,7 @@
             <a:pPr algn="ctr"/>
             <a:r>
               <a:rPr lang="pt-BR" sz="1600" dirty="0"/>
-              <a:t>Construção da série temporal</a:t>
+              <a:t>Análise das previsões</a:t>
             </a:r>
           </a:p>
         </p:txBody>
@@ -5923,7 +6674,7 @@
     </p:spTree>
     <p:extLst>
       <p:ext uri="{BB962C8B-B14F-4D97-AF65-F5344CB8AC3E}">
-        <p14:creationId xmlns:p14="http://schemas.microsoft.com/office/powerpoint/2010/main" val="4176661725"/>
+        <p14:creationId xmlns:p14="http://schemas.microsoft.com/office/powerpoint/2010/main" val="3233408173"/>
       </p:ext>
     </p:extLst>
   </p:cSld>
@@ -5933,7 +6684,7 @@
 </p:sld>
 </file>
 
-<file path=ppt/slides/slide13.xml><?xml version="1.0" encoding="utf-8"?>
+<file path=ppt/slides/slide15.xml><?xml version="1.0" encoding="utf-8"?>
 <p:sld xmlns:a="http://schemas.openxmlformats.org/drawingml/2006/main" xmlns:r="http://schemas.openxmlformats.org/officeDocument/2006/relationships" xmlns:p="http://schemas.openxmlformats.org/presentationml/2006/main" show="0">
   <p:cSld>
     <p:spTree>
@@ -5996,7 +6747,7 @@
             <a:pPr algn="ctr"/>
             <a:r>
               <a:rPr lang="pt-BR" sz="1600" dirty="0"/>
-              <a:t>Análise das previsões</a:t>
+              <a:t>Construção da série temporal</a:t>
             </a:r>
           </a:p>
         </p:txBody>
@@ -6047,7 +6798,7 @@
     </p:spTree>
     <p:extLst>
       <p:ext uri="{BB962C8B-B14F-4D97-AF65-F5344CB8AC3E}">
-        <p14:creationId xmlns:p14="http://schemas.microsoft.com/office/powerpoint/2010/main" val="3233408173"/>
+        <p14:creationId xmlns:p14="http://schemas.microsoft.com/office/powerpoint/2010/main" val="4176661725"/>
       </p:ext>
     </p:extLst>
   </p:cSld>
@@ -6057,7 +6808,7 @@
 </p:sld>
 </file>
 
-<file path=ppt/slides/slide14.xml><?xml version="1.0" encoding="utf-8"?>
+<file path=ppt/slides/slide16.xml><?xml version="1.0" encoding="utf-8"?>
 <p:sld xmlns:a="http://schemas.openxmlformats.org/drawingml/2006/main" xmlns:r="http://schemas.openxmlformats.org/officeDocument/2006/relationships" xmlns:p="http://schemas.openxmlformats.org/presentationml/2006/main">
   <p:cSld>
     <p:spTree>
@@ -6168,36 +6919,6 @@
           </a:p>
         </p:txBody>
       </p:sp>
-      <p:pic>
-        <p:nvPicPr>
-          <p:cNvPr id="5" name="Imagem 4" descr="Recorte de Tela"/>
-          <p:cNvPicPr>
-            <a:picLocks noChangeAspect="1"/>
-          </p:cNvPicPr>
-          <p:nvPr/>
-        </p:nvPicPr>
-        <p:blipFill>
-          <a:blip r:embed="rId2">
-            <a:extLst>
-              <a:ext uri="{28A0092B-C50C-407E-A947-70E740481C1C}">
-                <a14:useLocalDpi xmlns:a14="http://schemas.microsoft.com/office/drawing/2010/main" val="0"/>
-              </a:ext>
-            </a:extLst>
-          </a:blip>
-          <a:stretch>
-            <a:fillRect/>
-          </a:stretch>
-        </p:blipFill>
-        <p:spPr>
-          <a:xfrm>
-            <a:off x="1280407" y="2941525"/>
-            <a:ext cx="3901676" cy="3600000"/>
-          </a:xfrm>
-          <a:prstGeom prst="rect">
-            <a:avLst/>
-          </a:prstGeom>
-        </p:spPr>
-      </p:pic>
       <p:sp>
         <p:nvSpPr>
           <p:cNvPr id="6" name="Retângulo 5"/>
@@ -6206,7 +6927,7 @@
         </p:nvSpPr>
         <p:spPr>
           <a:xfrm>
-            <a:off x="5601121" y="1056111"/>
+            <a:off x="7002218" y="2044254"/>
             <a:ext cx="2519680" cy="548640"/>
           </a:xfrm>
           <a:prstGeom prst="rect">
@@ -6244,156 +6965,6 @@
           </a:p>
         </p:txBody>
       </p:sp>
-      <p:sp>
-        <p:nvSpPr>
-          <p:cNvPr id="9" name="Retângulo: Cantos Arredondados 8"/>
-          <p:cNvSpPr/>
-          <p:nvPr/>
-        </p:nvSpPr>
-        <p:spPr>
-          <a:xfrm>
-            <a:off x="2434496" y="2276112"/>
-            <a:ext cx="2113280" cy="432000"/>
-          </a:xfrm>
-          <a:prstGeom prst="roundRect">
-            <a:avLst/>
-          </a:prstGeom>
-          <a:noFill/>
-          <a:ln>
-            <a:noFill/>
-          </a:ln>
-        </p:spPr>
-        <p:style>
-          <a:lnRef idx="2">
-            <a:schemeClr val="accent1">
-              <a:shade val="50000"/>
-            </a:schemeClr>
-          </a:lnRef>
-          <a:fillRef idx="1">
-            <a:schemeClr val="accent1"/>
-          </a:fillRef>
-          <a:effectRef idx="0">
-            <a:schemeClr val="accent1"/>
-          </a:effectRef>
-          <a:fontRef idx="minor">
-            <a:schemeClr val="lt1"/>
-          </a:fontRef>
-        </p:style>
-        <p:txBody>
-          <a:bodyPr rtlCol="0" anchor="ctr"/>
-          <a:lstStyle/>
-          <a:p>
-            <a:pPr algn="ctr"/>
-            <a:r>
-              <a:rPr lang="pt-BR" b="1" dirty="0" err="1">
-                <a:solidFill>
-                  <a:schemeClr val="bg1">
-                    <a:lumMod val="50000"/>
-                  </a:schemeClr>
-                </a:solidFill>
-              </a:rPr>
-              <a:t>Multicore</a:t>
-            </a:r>
-            <a:endParaRPr lang="pt-BR" b="1" dirty="0">
-              <a:solidFill>
-                <a:schemeClr val="bg1">
-                  <a:lumMod val="50000"/>
-                </a:schemeClr>
-              </a:solidFill>
-            </a:endParaRPr>
-          </a:p>
-        </p:txBody>
-      </p:sp>
-      <p:sp>
-        <p:nvSpPr>
-          <p:cNvPr id="10" name="Retângulo: Cantos Arredondados 9"/>
-          <p:cNvSpPr/>
-          <p:nvPr/>
-        </p:nvSpPr>
-        <p:spPr>
-          <a:xfrm>
-            <a:off x="8495403" y="2276112"/>
-            <a:ext cx="2113280" cy="468000"/>
-          </a:xfrm>
-          <a:prstGeom prst="roundRect">
-            <a:avLst/>
-          </a:prstGeom>
-          <a:noFill/>
-          <a:ln>
-            <a:noFill/>
-          </a:ln>
-        </p:spPr>
-        <p:style>
-          <a:lnRef idx="2">
-            <a:schemeClr val="accent1">
-              <a:shade val="50000"/>
-            </a:schemeClr>
-          </a:lnRef>
-          <a:fillRef idx="1">
-            <a:schemeClr val="accent1"/>
-          </a:fillRef>
-          <a:effectRef idx="0">
-            <a:schemeClr val="accent1"/>
-          </a:effectRef>
-          <a:fontRef idx="minor">
-            <a:schemeClr val="lt1"/>
-          </a:fontRef>
-        </p:style>
-        <p:txBody>
-          <a:bodyPr rtlCol="0" anchor="ctr"/>
-          <a:lstStyle/>
-          <a:p>
-            <a:pPr algn="ctr"/>
-            <a:r>
-              <a:rPr lang="pt-BR" b="1" dirty="0" err="1">
-                <a:solidFill>
-                  <a:schemeClr val="bg1">
-                    <a:lumMod val="50000"/>
-                  </a:schemeClr>
-                </a:solidFill>
-              </a:rPr>
-              <a:t>Singlecore</a:t>
-            </a:r>
-            <a:endParaRPr lang="pt-BR" b="1" dirty="0">
-              <a:solidFill>
-                <a:schemeClr val="bg1">
-                  <a:lumMod val="50000"/>
-                </a:schemeClr>
-              </a:solidFill>
-            </a:endParaRPr>
-          </a:p>
-        </p:txBody>
-      </p:sp>
-      <p:pic>
-        <p:nvPicPr>
-          <p:cNvPr id="14" name="Imagem 13" descr="Recorte de Tela"/>
-          <p:cNvPicPr>
-            <a:picLocks noChangeAspect="1"/>
-          </p:cNvPicPr>
-          <p:nvPr/>
-        </p:nvPicPr>
-        <p:blipFill>
-          <a:blip r:embed="rId3">
-            <a:extLst>
-              <a:ext uri="{28A0092B-C50C-407E-A947-70E740481C1C}">
-                <a14:useLocalDpi xmlns:a14="http://schemas.microsoft.com/office/drawing/2010/main" val="0"/>
-              </a:ext>
-            </a:extLst>
-          </a:blip>
-          <a:stretch>
-            <a:fillRect/>
-          </a:stretch>
-        </p:blipFill>
-        <p:spPr>
-          <a:xfrm>
-            <a:off x="7616890" y="2854441"/>
-            <a:ext cx="3870307" cy="3600000"/>
-          </a:xfrm>
-          <a:prstGeom prst="rect">
-            <a:avLst/>
-          </a:prstGeom>
-        </p:spPr>
-      </p:pic>
       <p:sp>
         <p:nvSpPr>
           <p:cNvPr id="12" name="Retângulo: Cantos Arredondados 11"/>
@@ -6445,55 +7016,73 @@
           </a:p>
         </p:txBody>
       </p:sp>
-    </p:spTree>
-    <p:extLst>
-      <p:ext uri="{BB962C8B-B14F-4D97-AF65-F5344CB8AC3E}">
-        <p14:creationId xmlns:p14="http://schemas.microsoft.com/office/powerpoint/2010/main" val="3990552512"/>
-      </p:ext>
-    </p:extLst>
-  </p:cSld>
-  <p:clrMapOvr>
-    <a:masterClrMapping/>
-  </p:clrMapOvr>
-</p:sld>
-</file>
-
-<file path=ppt/slides/slide15.xml><?xml version="1.0" encoding="utf-8"?>
-<p:sld xmlns:a="http://schemas.openxmlformats.org/drawingml/2006/main" xmlns:r="http://schemas.openxmlformats.org/officeDocument/2006/relationships" xmlns:p="http://schemas.openxmlformats.org/presentationml/2006/main">
-  <p:cSld>
-    <p:spTree>
-      <p:nvGrpSpPr>
-        <p:cNvPr id="1" name=""/>
-        <p:cNvGrpSpPr/>
-        <p:nvPr/>
-      </p:nvGrpSpPr>
-      <p:grpSpPr>
-        <a:xfrm>
-          <a:off x="0" y="0"/>
-          <a:ext cx="0" cy="0"/>
-          <a:chOff x="0" y="0"/>
-          <a:chExt cx="0" cy="0"/>
-        </a:xfrm>
-      </p:grpSpPr>
-      <p:sp>
-        <p:nvSpPr>
-          <p:cNvPr id="2" name="Retângulo: Cantos Arredondados 1"/>
+      <p:pic>
+        <p:nvPicPr>
+          <p:cNvPr id="11" name="Picture 6"/>
+          <p:cNvPicPr>
+            <a:picLocks noChangeAspect="1" noChangeArrowheads="1"/>
+          </p:cNvPicPr>
+          <p:nvPr/>
+        </p:nvPicPr>
+        <p:blipFill rotWithShape="1">
+          <a:blip r:embed="rId2">
+            <a:extLst>
+              <a:ext uri="{28A0092B-C50C-407E-A947-70E740481C1C}">
+                <a14:useLocalDpi xmlns:a14="http://schemas.microsoft.com/office/drawing/2010/main" val="0"/>
+              </a:ext>
+            </a:extLst>
+          </a:blip>
+          <a:srcRect l="25100" t="15395" r="29019" b="11250"/>
+          <a:stretch/>
+        </p:blipFill>
+        <p:spPr bwMode="auto">
+          <a:xfrm>
+            <a:off x="1013823" y="1936854"/>
+            <a:ext cx="5195247" cy="4669916"/>
+          </a:xfrm>
+          <a:prstGeom prst="rect">
+            <a:avLst/>
+          </a:prstGeom>
+          <a:noFill/>
+          <a:ln>
+            <a:noFill/>
+          </a:ln>
+          <a:extLst>
+            <a:ext uri="{909E8E84-426E-40DD-AFC4-6F175D3DCCD1}">
+              <a14:hiddenFill xmlns:a14="http://schemas.microsoft.com/office/drawing/2010/main">
+                <a:solidFill>
+                  <a:schemeClr val="accent1"/>
+                </a:solidFill>
+              </a14:hiddenFill>
+            </a:ext>
+            <a:ext uri="{91240B29-F687-4F45-9708-019B960494DF}">
+              <a14:hiddenLine xmlns:a14="http://schemas.microsoft.com/office/drawing/2010/main" w="9525">
+                <a:solidFill>
+                  <a:schemeClr val="tx1"/>
+                </a:solidFill>
+                <a:miter lim="800000"/>
+                <a:headEnd/>
+                <a:tailEnd/>
+              </a14:hiddenLine>
+            </a:ext>
+          </a:extLst>
+        </p:spPr>
+      </p:pic>
+      <p:sp>
+        <p:nvSpPr>
+          <p:cNvPr id="13" name="Retângulo: Cantos Arredondados 12"/>
           <p:cNvSpPr/>
           <p:nvPr/>
         </p:nvSpPr>
         <p:spPr>
           <a:xfrm>
-            <a:off x="961846" y="894624"/>
-            <a:ext cx="1472650" cy="914400"/>
+            <a:off x="4128470" y="1016046"/>
+            <a:ext cx="3299548" cy="432000"/>
           </a:xfrm>
           <a:prstGeom prst="roundRect">
             <a:avLst/>
           </a:prstGeom>
-          <a:solidFill>
-            <a:schemeClr val="bg1">
-              <a:lumMod val="50000"/>
-            </a:schemeClr>
-          </a:solidFill>
+          <a:noFill/>
           <a:ln>
             <a:noFill/>
           </a:ln>
@@ -6520,322 +7109,14 @@
           <a:p>
             <a:pPr algn="ctr"/>
             <a:r>
-              <a:rPr lang="pt-BR" sz="1600" dirty="0"/>
-              <a:t>Cálculo do intervalo de confiança</a:t>
-            </a:r>
-          </a:p>
-        </p:txBody>
-      </p:sp>
-      <p:sp>
-        <p:nvSpPr>
-          <p:cNvPr id="3" name="CaixaDeTexto 2"/>
-          <p:cNvSpPr txBox="1"/>
-          <p:nvPr/>
-        </p:nvSpPr>
-        <p:spPr>
-          <a:xfrm>
-            <a:off x="833120" y="267063"/>
-            <a:ext cx="8540797" cy="584775"/>
-          </a:xfrm>
-          <a:prstGeom prst="rect">
-            <a:avLst/>
-          </a:prstGeom>
-          <a:noFill/>
-        </p:spPr>
-        <p:txBody>
-          <a:bodyPr wrap="square" rtlCol="0" anchor="ctr">
-            <a:spAutoFit/>
-          </a:bodyPr>
-          <a:lstStyle>
-            <a:defPPr>
-              <a:defRPr lang="pt-BR"/>
-            </a:defPPr>
-            <a:lvl1pPr>
-              <a:defRPr sz="3200">
-                <a:solidFill>
-                  <a:srgbClr val="4C3D6C"/>
-                </a:solidFill>
-                <a:latin typeface="Bebas Neue" panose="020B0606020202050201" pitchFamily="34" charset="0"/>
-              </a:defRPr>
-            </a:lvl1pPr>
-          </a:lstStyle>
-          <a:p>
-            <a:r>
-              <a:rPr lang="pt-BR" dirty="0">
-                <a:latin typeface="Trebuchet MS" panose="020B0603020202020204" pitchFamily="34" charset="0"/>
-              </a:rPr>
-              <a:t>DESENVOLVIMENTO DO TRABALHO</a:t>
-            </a:r>
-          </a:p>
-        </p:txBody>
-      </p:sp>
-      <p:pic>
-        <p:nvPicPr>
-          <p:cNvPr id="7" name="Imagem 6"/>
-          <p:cNvPicPr>
-            <a:picLocks noChangeAspect="1"/>
-          </p:cNvPicPr>
-          <p:nvPr/>
-        </p:nvPicPr>
-        <p:blipFill>
-          <a:blip r:embed="rId2"/>
-          <a:stretch>
-            <a:fillRect/>
-          </a:stretch>
-        </p:blipFill>
-        <p:spPr>
-          <a:xfrm>
-            <a:off x="1248228" y="2621361"/>
-            <a:ext cx="3600000" cy="3600000"/>
-          </a:xfrm>
-          <a:prstGeom prst="rect">
-            <a:avLst/>
-          </a:prstGeom>
-        </p:spPr>
-      </p:pic>
-      <p:pic>
-        <p:nvPicPr>
-          <p:cNvPr id="17" name="Imagem 16" descr="Recorte de Tela"/>
-          <p:cNvPicPr>
-            <a:picLocks noChangeAspect="1"/>
-          </p:cNvPicPr>
-          <p:nvPr/>
-        </p:nvPicPr>
-        <p:blipFill>
-          <a:blip r:embed="rId3">
-            <a:extLst>
-              <a:ext uri="{28A0092B-C50C-407E-A947-70E740481C1C}">
-                <a14:useLocalDpi xmlns:a14="http://schemas.microsoft.com/office/drawing/2010/main" val="0"/>
-              </a:ext>
-            </a:extLst>
-          </a:blip>
-          <a:stretch>
-            <a:fillRect/>
-          </a:stretch>
-        </p:blipFill>
-        <p:spPr>
-          <a:xfrm>
-            <a:off x="7591738" y="2868099"/>
-            <a:ext cx="3826146" cy="3600000"/>
-          </a:xfrm>
-          <a:prstGeom prst="rect">
-            <a:avLst/>
-          </a:prstGeom>
-        </p:spPr>
-      </p:pic>
-      <p:sp>
-        <p:nvSpPr>
-          <p:cNvPr id="20" name="Retângulo: Cantos Arredondados 19"/>
-          <p:cNvSpPr/>
-          <p:nvPr/>
-        </p:nvSpPr>
-        <p:spPr>
-          <a:xfrm>
-            <a:off x="2545158" y="894624"/>
-            <a:ext cx="1472650" cy="914400"/>
-          </a:xfrm>
-          <a:prstGeom prst="roundRect">
-            <a:avLst/>
-          </a:prstGeom>
-          <a:solidFill>
-            <a:schemeClr val="bg1">
-              <a:lumMod val="50000"/>
-            </a:schemeClr>
-          </a:solidFill>
-          <a:ln>
-            <a:noFill/>
-          </a:ln>
-        </p:spPr>
-        <p:style>
-          <a:lnRef idx="2">
-            <a:schemeClr val="accent1">
-              <a:shade val="50000"/>
-            </a:schemeClr>
-          </a:lnRef>
-          <a:fillRef idx="1">
-            <a:schemeClr val="accent1"/>
-          </a:fillRef>
-          <a:effectRef idx="0">
-            <a:schemeClr val="accent1"/>
-          </a:effectRef>
-          <a:fontRef idx="minor">
-            <a:schemeClr val="lt1"/>
-          </a:fontRef>
-        </p:style>
-        <p:txBody>
-          <a:bodyPr rtlCol="0" anchor="ctr"/>
-          <a:lstStyle/>
-          <a:p>
-            <a:pPr algn="ctr"/>
-            <a:r>
-              <a:rPr lang="pt-BR" sz="1600" dirty="0"/>
-              <a:t>Análise do intervalo de confiança</a:t>
-            </a:r>
-          </a:p>
-        </p:txBody>
-      </p:sp>
-      <p:sp>
-        <p:nvSpPr>
-          <p:cNvPr id="21" name="Retângulo: Cantos Arredondados 20"/>
-          <p:cNvSpPr/>
-          <p:nvPr/>
-        </p:nvSpPr>
-        <p:spPr>
-          <a:xfrm>
-            <a:off x="2434496" y="2276112"/>
-            <a:ext cx="2113280" cy="432000"/>
-          </a:xfrm>
-          <a:prstGeom prst="roundRect">
-            <a:avLst/>
-          </a:prstGeom>
-          <a:noFill/>
-          <a:ln>
-            <a:noFill/>
-          </a:ln>
-        </p:spPr>
-        <p:style>
-          <a:lnRef idx="2">
-            <a:schemeClr val="accent1">
-              <a:shade val="50000"/>
-            </a:schemeClr>
-          </a:lnRef>
-          <a:fillRef idx="1">
-            <a:schemeClr val="accent1"/>
-          </a:fillRef>
-          <a:effectRef idx="0">
-            <a:schemeClr val="accent1"/>
-          </a:effectRef>
-          <a:fontRef idx="minor">
-            <a:schemeClr val="lt1"/>
-          </a:fontRef>
-        </p:style>
-        <p:txBody>
-          <a:bodyPr rtlCol="0" anchor="ctr"/>
-          <a:lstStyle/>
-          <a:p>
-            <a:pPr algn="ctr"/>
-            <a:r>
-              <a:rPr lang="pt-BR" b="1" dirty="0" err="1">
+              <a:rPr lang="pt-BR" b="1" dirty="0">
                 <a:solidFill>
                   <a:schemeClr val="bg1">
                     <a:lumMod val="50000"/>
                   </a:schemeClr>
                 </a:solidFill>
               </a:rPr>
-              <a:t>Multicore</a:t>
-            </a:r>
-            <a:endParaRPr lang="pt-BR" b="1" dirty="0">
-              <a:solidFill>
-                <a:schemeClr val="bg1">
-                  <a:lumMod val="50000"/>
-                </a:schemeClr>
-              </a:solidFill>
-            </a:endParaRPr>
-          </a:p>
-        </p:txBody>
-      </p:sp>
-      <p:sp>
-        <p:nvSpPr>
-          <p:cNvPr id="22" name="Retângulo: Cantos Arredondados 21"/>
-          <p:cNvSpPr/>
-          <p:nvPr/>
-        </p:nvSpPr>
-        <p:spPr>
-          <a:xfrm>
-            <a:off x="8495403" y="2276112"/>
-            <a:ext cx="2113280" cy="468000"/>
-          </a:xfrm>
-          <a:prstGeom prst="roundRect">
-            <a:avLst/>
-          </a:prstGeom>
-          <a:noFill/>
-          <a:ln>
-            <a:noFill/>
-          </a:ln>
-        </p:spPr>
-        <p:style>
-          <a:lnRef idx="2">
-            <a:schemeClr val="accent1">
-              <a:shade val="50000"/>
-            </a:schemeClr>
-          </a:lnRef>
-          <a:fillRef idx="1">
-            <a:schemeClr val="accent1"/>
-          </a:fillRef>
-          <a:effectRef idx="0">
-            <a:schemeClr val="accent1"/>
-          </a:effectRef>
-          <a:fontRef idx="minor">
-            <a:schemeClr val="lt1"/>
-          </a:fontRef>
-        </p:style>
-        <p:txBody>
-          <a:bodyPr rtlCol="0" anchor="ctr"/>
-          <a:lstStyle/>
-          <a:p>
-            <a:pPr algn="ctr"/>
-            <a:r>
-              <a:rPr lang="pt-BR" b="1" dirty="0" err="1">
-                <a:solidFill>
-                  <a:schemeClr val="bg1">
-                    <a:lumMod val="50000"/>
-                  </a:schemeClr>
-                </a:solidFill>
-              </a:rPr>
-              <a:t>Singlecore</a:t>
-            </a:r>
-            <a:endParaRPr lang="pt-BR" b="1" dirty="0">
-              <a:solidFill>
-                <a:schemeClr val="bg1">
-                  <a:lumMod val="50000"/>
-                </a:schemeClr>
-              </a:solidFill>
-            </a:endParaRPr>
-          </a:p>
-        </p:txBody>
-      </p:sp>
-      <p:sp>
-        <p:nvSpPr>
-          <p:cNvPr id="23" name="Retângulo 22"/>
-          <p:cNvSpPr/>
-          <p:nvPr/>
-        </p:nvSpPr>
-        <p:spPr>
-          <a:xfrm>
-            <a:off x="5601121" y="1056111"/>
-            <a:ext cx="2519680" cy="548640"/>
-          </a:xfrm>
-          <a:prstGeom prst="rect">
-            <a:avLst/>
-          </a:prstGeom>
-          <a:solidFill>
-            <a:srgbClr val="60527C"/>
-          </a:solidFill>
-        </p:spPr>
-        <p:style>
-          <a:lnRef idx="2">
-            <a:schemeClr val="accent1">
-              <a:shade val="50000"/>
-            </a:schemeClr>
-          </a:lnRef>
-          <a:fillRef idx="1">
-            <a:schemeClr val="accent1"/>
-          </a:fillRef>
-          <a:effectRef idx="0">
-            <a:schemeClr val="accent1"/>
-          </a:effectRef>
-          <a:fontRef idx="minor">
-            <a:schemeClr val="lt1"/>
-          </a:fontRef>
-        </p:style>
-        <p:txBody>
-          <a:bodyPr rtlCol="0" anchor="ctr"/>
-          <a:lstStyle/>
-          <a:p>
-            <a:pPr algn="ctr"/>
-            <a:r>
-              <a:rPr lang="pt-BR" dirty="0"/>
-              <a:t>Tamanho da amostra: 392.080</a:t>
+              <a:t>Média mensal de valores pagos</a:t>
             </a:r>
           </a:p>
         </p:txBody>
@@ -6843,131 +7124,7 @@
     </p:spTree>
     <p:extLst>
       <p:ext uri="{BB962C8B-B14F-4D97-AF65-F5344CB8AC3E}">
-        <p14:creationId xmlns:p14="http://schemas.microsoft.com/office/powerpoint/2010/main" val="682465634"/>
-      </p:ext>
-    </p:extLst>
-  </p:cSld>
-  <p:clrMapOvr>
-    <a:masterClrMapping/>
-  </p:clrMapOvr>
-</p:sld>
-</file>
-
-<file path=ppt/slides/slide16.xml><?xml version="1.0" encoding="utf-8"?>
-<p:sld xmlns:a="http://schemas.openxmlformats.org/drawingml/2006/main" xmlns:r="http://schemas.openxmlformats.org/officeDocument/2006/relationships" xmlns:p="http://schemas.openxmlformats.org/presentationml/2006/main" show="0">
-  <p:cSld>
-    <p:spTree>
-      <p:nvGrpSpPr>
-        <p:cNvPr id="1" name=""/>
-        <p:cNvGrpSpPr/>
-        <p:nvPr/>
-      </p:nvGrpSpPr>
-      <p:grpSpPr>
-        <a:xfrm>
-          <a:off x="0" y="0"/>
-          <a:ext cx="0" cy="0"/>
-          <a:chOff x="0" y="0"/>
-          <a:chExt cx="0" cy="0"/>
-        </a:xfrm>
-      </p:grpSpPr>
-      <p:sp>
-        <p:nvSpPr>
-          <p:cNvPr id="2" name="Retângulo: Cantos Arredondados 1"/>
-          <p:cNvSpPr/>
-          <p:nvPr/>
-        </p:nvSpPr>
-        <p:spPr>
-          <a:xfrm>
-            <a:off x="961846" y="894624"/>
-            <a:ext cx="1472650" cy="914400"/>
-          </a:xfrm>
-          <a:prstGeom prst="roundRect">
-            <a:avLst/>
-          </a:prstGeom>
-          <a:solidFill>
-            <a:schemeClr val="bg1">
-              <a:lumMod val="50000"/>
-            </a:schemeClr>
-          </a:solidFill>
-          <a:ln>
-            <a:noFill/>
-          </a:ln>
-        </p:spPr>
-        <p:style>
-          <a:lnRef idx="2">
-            <a:schemeClr val="accent1">
-              <a:shade val="50000"/>
-            </a:schemeClr>
-          </a:lnRef>
-          <a:fillRef idx="1">
-            <a:schemeClr val="accent1"/>
-          </a:fillRef>
-          <a:effectRef idx="0">
-            <a:schemeClr val="accent1"/>
-          </a:effectRef>
-          <a:fontRef idx="minor">
-            <a:schemeClr val="lt1"/>
-          </a:fontRef>
-        </p:style>
-        <p:txBody>
-          <a:bodyPr rtlCol="0" anchor="ctr"/>
-          <a:lstStyle/>
-          <a:p>
-            <a:pPr algn="ctr"/>
-            <a:r>
-              <a:rPr lang="pt-BR" sz="1600" dirty="0"/>
-              <a:t>Análise do intervalo de confiança</a:t>
-            </a:r>
-          </a:p>
-        </p:txBody>
-      </p:sp>
-      <p:sp>
-        <p:nvSpPr>
-          <p:cNvPr id="3" name="CaixaDeTexto 2"/>
-          <p:cNvSpPr txBox="1"/>
-          <p:nvPr/>
-        </p:nvSpPr>
-        <p:spPr>
-          <a:xfrm>
-            <a:off x="833120" y="267063"/>
-            <a:ext cx="8540797" cy="584775"/>
-          </a:xfrm>
-          <a:prstGeom prst="rect">
-            <a:avLst/>
-          </a:prstGeom>
-          <a:noFill/>
-        </p:spPr>
-        <p:txBody>
-          <a:bodyPr wrap="square" rtlCol="0" anchor="ctr">
-            <a:spAutoFit/>
-          </a:bodyPr>
-          <a:lstStyle>
-            <a:defPPr>
-              <a:defRPr lang="pt-BR"/>
-            </a:defPPr>
-            <a:lvl1pPr>
-              <a:defRPr sz="3200">
-                <a:solidFill>
-                  <a:srgbClr val="4C3D6C"/>
-                </a:solidFill>
-                <a:latin typeface="Bebas Neue" panose="020B0606020202050201" pitchFamily="34" charset="0"/>
-              </a:defRPr>
-            </a:lvl1pPr>
-          </a:lstStyle>
-          <a:p>
-            <a:r>
-              <a:rPr lang="pt-BR" dirty="0">
-                <a:latin typeface="Trebuchet MS" panose="020B0603020202020204" pitchFamily="34" charset="0"/>
-              </a:rPr>
-              <a:t>DESENVOLVIMENTO DO TRABALHO</a:t>
-            </a:r>
-          </a:p>
-        </p:txBody>
-      </p:sp>
-    </p:spTree>
-    <p:extLst>
-      <p:ext uri="{BB962C8B-B14F-4D97-AF65-F5344CB8AC3E}">
-        <p14:creationId xmlns:p14="http://schemas.microsoft.com/office/powerpoint/2010/main" val="2126957418"/>
+        <p14:creationId xmlns:p14="http://schemas.microsoft.com/office/powerpoint/2010/main" val="3990552512"/>
       </p:ext>
     </p:extLst>
   </p:cSld>
@@ -6996,6 +7153,57 @@
       </p:grpSpPr>
       <p:sp>
         <p:nvSpPr>
+          <p:cNvPr id="2" name="Retângulo: Cantos Arredondados 1"/>
+          <p:cNvSpPr/>
+          <p:nvPr/>
+        </p:nvSpPr>
+        <p:spPr>
+          <a:xfrm>
+            <a:off x="961846" y="894624"/>
+            <a:ext cx="1472650" cy="914400"/>
+          </a:xfrm>
+          <a:prstGeom prst="roundRect">
+            <a:avLst/>
+          </a:prstGeom>
+          <a:solidFill>
+            <a:schemeClr val="bg1">
+              <a:lumMod val="50000"/>
+            </a:schemeClr>
+          </a:solidFill>
+          <a:ln>
+            <a:noFill/>
+          </a:ln>
+        </p:spPr>
+        <p:style>
+          <a:lnRef idx="2">
+            <a:schemeClr val="accent1">
+              <a:shade val="50000"/>
+            </a:schemeClr>
+          </a:lnRef>
+          <a:fillRef idx="1">
+            <a:schemeClr val="accent1"/>
+          </a:fillRef>
+          <a:effectRef idx="0">
+            <a:schemeClr val="accent1"/>
+          </a:effectRef>
+          <a:fontRef idx="minor">
+            <a:schemeClr val="lt1"/>
+          </a:fontRef>
+        </p:style>
+        <p:txBody>
+          <a:bodyPr rtlCol="0" anchor="ctr"/>
+          <a:lstStyle/>
+          <a:p>
+            <a:pPr algn="ctr"/>
+            <a:r>
+              <a:rPr lang="pt-BR" sz="1600" dirty="0"/>
+              <a:t>Cálculo do intervalo de confiança</a:t>
+            </a:r>
+          </a:p>
+        </p:txBody>
+      </p:sp>
+      <p:sp>
+        <p:nvSpPr>
           <p:cNvPr id="3" name="CaixaDeTexto 2"/>
           <p:cNvSpPr txBox="1"/>
           <p:nvPr/>
@@ -7032,7 +7240,1055 @@
               <a:rPr lang="pt-BR" dirty="0">
                 <a:latin typeface="Trebuchet MS" panose="020B0603020202020204" pitchFamily="34" charset="0"/>
               </a:rPr>
+              <a:t>DESENVOLVIMENTO DO TRABALHO</a:t>
+            </a:r>
+          </a:p>
+        </p:txBody>
+      </p:sp>
+      <p:sp>
+        <p:nvSpPr>
+          <p:cNvPr id="6" name="Retângulo 5"/>
+          <p:cNvSpPr/>
+          <p:nvPr/>
+        </p:nvSpPr>
+        <p:spPr>
+          <a:xfrm>
+            <a:off x="7002218" y="2044254"/>
+            <a:ext cx="2519680" cy="548640"/>
+          </a:xfrm>
+          <a:prstGeom prst="rect">
+            <a:avLst/>
+          </a:prstGeom>
+          <a:solidFill>
+            <a:srgbClr val="60527C"/>
+          </a:solidFill>
+        </p:spPr>
+        <p:style>
+          <a:lnRef idx="2">
+            <a:schemeClr val="accent1">
+              <a:shade val="50000"/>
+            </a:schemeClr>
+          </a:lnRef>
+          <a:fillRef idx="1">
+            <a:schemeClr val="accent1"/>
+          </a:fillRef>
+          <a:effectRef idx="0">
+            <a:schemeClr val="accent1"/>
+          </a:effectRef>
+          <a:fontRef idx="minor">
+            <a:schemeClr val="lt1"/>
+          </a:fontRef>
+        </p:style>
+        <p:txBody>
+          <a:bodyPr rtlCol="0" anchor="ctr"/>
+          <a:lstStyle/>
+          <a:p>
+            <a:pPr algn="ctr"/>
+            <a:r>
+              <a:rPr lang="pt-BR" dirty="0"/>
+              <a:t>Tamanho da amostra: 392.080</a:t>
+            </a:r>
+          </a:p>
+        </p:txBody>
+      </p:sp>
+      <p:sp>
+        <p:nvSpPr>
+          <p:cNvPr id="12" name="Retângulo: Cantos Arredondados 11"/>
+          <p:cNvSpPr/>
+          <p:nvPr/>
+        </p:nvSpPr>
+        <p:spPr>
+          <a:xfrm>
+            <a:off x="2545158" y="894624"/>
+            <a:ext cx="1472650" cy="914400"/>
+          </a:xfrm>
+          <a:prstGeom prst="roundRect">
+            <a:avLst/>
+          </a:prstGeom>
+          <a:solidFill>
+            <a:schemeClr val="bg1">
+              <a:lumMod val="50000"/>
+            </a:schemeClr>
+          </a:solidFill>
+          <a:ln>
+            <a:noFill/>
+          </a:ln>
+        </p:spPr>
+        <p:style>
+          <a:lnRef idx="2">
+            <a:schemeClr val="accent1">
+              <a:shade val="50000"/>
+            </a:schemeClr>
+          </a:lnRef>
+          <a:fillRef idx="1">
+            <a:schemeClr val="accent1"/>
+          </a:fillRef>
+          <a:effectRef idx="0">
+            <a:schemeClr val="accent1"/>
+          </a:effectRef>
+          <a:fontRef idx="minor">
+            <a:schemeClr val="lt1"/>
+          </a:fontRef>
+        </p:style>
+        <p:txBody>
+          <a:bodyPr rtlCol="0" anchor="ctr"/>
+          <a:lstStyle/>
+          <a:p>
+            <a:pPr algn="ctr"/>
+            <a:r>
+              <a:rPr lang="pt-BR" sz="1600" dirty="0"/>
+              <a:t>Análise do intervalo de confiança</a:t>
+            </a:r>
+          </a:p>
+        </p:txBody>
+      </p:sp>
+      <p:pic>
+        <p:nvPicPr>
+          <p:cNvPr id="7" name="Picture 5"/>
+          <p:cNvPicPr>
+            <a:picLocks noChangeAspect="1" noChangeArrowheads="1"/>
+          </p:cNvPicPr>
+          <p:nvPr/>
+        </p:nvPicPr>
+        <p:blipFill rotWithShape="1">
+          <a:blip r:embed="rId2">
+            <a:extLst>
+              <a:ext uri="{28A0092B-C50C-407E-A947-70E740481C1C}">
+                <a14:useLocalDpi xmlns:a14="http://schemas.microsoft.com/office/drawing/2010/main" val="0"/>
+              </a:ext>
+            </a:extLst>
+          </a:blip>
+          <a:srcRect l="25421" t="15355" r="28745" b="11977"/>
+          <a:stretch/>
+        </p:blipFill>
+        <p:spPr bwMode="auto">
+          <a:xfrm>
+            <a:off x="1120499" y="2044254"/>
+            <a:ext cx="5238077" cy="4669200"/>
+          </a:xfrm>
+          <a:prstGeom prst="rect">
+            <a:avLst/>
+          </a:prstGeom>
+          <a:noFill/>
+          <a:ln>
+            <a:noFill/>
+          </a:ln>
+          <a:extLst>
+            <a:ext uri="{909E8E84-426E-40DD-AFC4-6F175D3DCCD1}">
+              <a14:hiddenFill xmlns:a14="http://schemas.microsoft.com/office/drawing/2010/main">
+                <a:solidFill>
+                  <a:schemeClr val="accent1"/>
+                </a:solidFill>
+              </a14:hiddenFill>
+            </a:ext>
+            <a:ext uri="{91240B29-F687-4F45-9708-019B960494DF}">
+              <a14:hiddenLine xmlns:a14="http://schemas.microsoft.com/office/drawing/2010/main" w="9525">
+                <a:solidFill>
+                  <a:schemeClr val="tx1"/>
+                </a:solidFill>
+                <a:miter lim="800000"/>
+                <a:headEnd/>
+                <a:tailEnd/>
+              </a14:hiddenLine>
+            </a:ext>
+          </a:extLst>
+        </p:spPr>
+      </p:pic>
+      <p:sp>
+        <p:nvSpPr>
+          <p:cNvPr id="8" name="Retângulo: Cantos Arredondados 7"/>
+          <p:cNvSpPr/>
+          <p:nvPr/>
+        </p:nvSpPr>
+        <p:spPr>
+          <a:xfrm>
+            <a:off x="4128470" y="1016046"/>
+            <a:ext cx="3299548" cy="432000"/>
+          </a:xfrm>
+          <a:prstGeom prst="roundRect">
+            <a:avLst/>
+          </a:prstGeom>
+          <a:noFill/>
+          <a:ln>
+            <a:noFill/>
+          </a:ln>
+        </p:spPr>
+        <p:style>
+          <a:lnRef idx="2">
+            <a:schemeClr val="accent1">
+              <a:shade val="50000"/>
+            </a:schemeClr>
+          </a:lnRef>
+          <a:fillRef idx="1">
+            <a:schemeClr val="accent1"/>
+          </a:fillRef>
+          <a:effectRef idx="0">
+            <a:schemeClr val="accent1"/>
+          </a:effectRef>
+          <a:fontRef idx="minor">
+            <a:schemeClr val="lt1"/>
+          </a:fontRef>
+        </p:style>
+        <p:txBody>
+          <a:bodyPr rtlCol="0" anchor="ctr"/>
+          <a:lstStyle/>
+          <a:p>
+            <a:pPr algn="ctr"/>
+            <a:r>
+              <a:rPr lang="pt-BR" b="1" dirty="0">
+                <a:solidFill>
+                  <a:schemeClr val="bg1">
+                    <a:lumMod val="50000"/>
+                  </a:schemeClr>
+                </a:solidFill>
+              </a:rPr>
+              <a:t>Média mensal de valores pagos</a:t>
+            </a:r>
+          </a:p>
+        </p:txBody>
+      </p:sp>
+    </p:spTree>
+    <p:extLst>
+      <p:ext uri="{BB962C8B-B14F-4D97-AF65-F5344CB8AC3E}">
+        <p14:creationId xmlns:p14="http://schemas.microsoft.com/office/powerpoint/2010/main" val="3954118756"/>
+      </p:ext>
+    </p:extLst>
+  </p:cSld>
+  <p:clrMapOvr>
+    <a:masterClrMapping/>
+  </p:clrMapOvr>
+</p:sld>
+</file>
+
+<file path=ppt/slides/slide18.xml><?xml version="1.0" encoding="utf-8"?>
+<p:sld xmlns:a="http://schemas.openxmlformats.org/drawingml/2006/main" xmlns:r="http://schemas.openxmlformats.org/officeDocument/2006/relationships" xmlns:p="http://schemas.openxmlformats.org/presentationml/2006/main">
+  <p:cSld>
+    <p:spTree>
+      <p:nvGrpSpPr>
+        <p:cNvPr id="1" name=""/>
+        <p:cNvGrpSpPr/>
+        <p:nvPr/>
+      </p:nvGrpSpPr>
+      <p:grpSpPr>
+        <a:xfrm>
+          <a:off x="0" y="0"/>
+          <a:ext cx="0" cy="0"/>
+          <a:chOff x="0" y="0"/>
+          <a:chExt cx="0" cy="0"/>
+        </a:xfrm>
+      </p:grpSpPr>
+      <p:sp>
+        <p:nvSpPr>
+          <p:cNvPr id="2" name="Retângulo: Cantos Arredondados 1"/>
+          <p:cNvSpPr/>
+          <p:nvPr/>
+        </p:nvSpPr>
+        <p:spPr>
+          <a:xfrm>
+            <a:off x="961846" y="894624"/>
+            <a:ext cx="1472650" cy="914400"/>
+          </a:xfrm>
+          <a:prstGeom prst="roundRect">
+            <a:avLst/>
+          </a:prstGeom>
+          <a:solidFill>
+            <a:schemeClr val="bg1">
+              <a:lumMod val="50000"/>
+            </a:schemeClr>
+          </a:solidFill>
+          <a:ln>
+            <a:noFill/>
+          </a:ln>
+        </p:spPr>
+        <p:style>
+          <a:lnRef idx="2">
+            <a:schemeClr val="accent1">
+              <a:shade val="50000"/>
+            </a:schemeClr>
+          </a:lnRef>
+          <a:fillRef idx="1">
+            <a:schemeClr val="accent1"/>
+          </a:fillRef>
+          <a:effectRef idx="0">
+            <a:schemeClr val="accent1"/>
+          </a:effectRef>
+          <a:fontRef idx="minor">
+            <a:schemeClr val="lt1"/>
+          </a:fontRef>
+        </p:style>
+        <p:txBody>
+          <a:bodyPr rtlCol="0" anchor="ctr"/>
+          <a:lstStyle/>
+          <a:p>
+            <a:pPr algn="ctr"/>
+            <a:r>
+              <a:rPr lang="pt-BR" sz="1600" dirty="0"/>
+              <a:t>Cálculo do intervalo de confiança</a:t>
+            </a:r>
+          </a:p>
+        </p:txBody>
+      </p:sp>
+      <p:sp>
+        <p:nvSpPr>
+          <p:cNvPr id="3" name="CaixaDeTexto 2"/>
+          <p:cNvSpPr txBox="1"/>
+          <p:nvPr/>
+        </p:nvSpPr>
+        <p:spPr>
+          <a:xfrm>
+            <a:off x="833120" y="267063"/>
+            <a:ext cx="8540797" cy="584775"/>
+          </a:xfrm>
+          <a:prstGeom prst="rect">
+            <a:avLst/>
+          </a:prstGeom>
+          <a:noFill/>
+        </p:spPr>
+        <p:txBody>
+          <a:bodyPr wrap="square" rtlCol="0" anchor="ctr">
+            <a:spAutoFit/>
+          </a:bodyPr>
+          <a:lstStyle>
+            <a:defPPr>
+              <a:defRPr lang="pt-BR"/>
+            </a:defPPr>
+            <a:lvl1pPr>
+              <a:defRPr sz="3200">
+                <a:solidFill>
+                  <a:srgbClr val="4C3D6C"/>
+                </a:solidFill>
+                <a:latin typeface="Bebas Neue" panose="020B0606020202050201" pitchFamily="34" charset="0"/>
+              </a:defRPr>
+            </a:lvl1pPr>
+          </a:lstStyle>
+          <a:p>
+            <a:r>
+              <a:rPr lang="pt-BR" dirty="0">
+                <a:latin typeface="Trebuchet MS" panose="020B0603020202020204" pitchFamily="34" charset="0"/>
+              </a:rPr>
+              <a:t>DESENVOLVIMENTO DO TRABALHO</a:t>
+            </a:r>
+          </a:p>
+        </p:txBody>
+      </p:sp>
+      <p:sp>
+        <p:nvSpPr>
+          <p:cNvPr id="6" name="Retângulo 5"/>
+          <p:cNvSpPr/>
+          <p:nvPr/>
+        </p:nvSpPr>
+        <p:spPr>
+          <a:xfrm>
+            <a:off x="7002218" y="2044254"/>
+            <a:ext cx="2519680" cy="548640"/>
+          </a:xfrm>
+          <a:prstGeom prst="rect">
+            <a:avLst/>
+          </a:prstGeom>
+          <a:solidFill>
+            <a:srgbClr val="60527C"/>
+          </a:solidFill>
+        </p:spPr>
+        <p:style>
+          <a:lnRef idx="2">
+            <a:schemeClr val="accent1">
+              <a:shade val="50000"/>
+            </a:schemeClr>
+          </a:lnRef>
+          <a:fillRef idx="1">
+            <a:schemeClr val="accent1"/>
+          </a:fillRef>
+          <a:effectRef idx="0">
+            <a:schemeClr val="accent1"/>
+          </a:effectRef>
+          <a:fontRef idx="minor">
+            <a:schemeClr val="lt1"/>
+          </a:fontRef>
+        </p:style>
+        <p:txBody>
+          <a:bodyPr rtlCol="0" anchor="ctr"/>
+          <a:lstStyle/>
+          <a:p>
+            <a:pPr algn="ctr"/>
+            <a:r>
+              <a:rPr lang="pt-BR" dirty="0"/>
+              <a:t>Tamanho da amostra: 392.080</a:t>
+            </a:r>
+          </a:p>
+        </p:txBody>
+      </p:sp>
+      <p:sp>
+        <p:nvSpPr>
+          <p:cNvPr id="12" name="Retângulo: Cantos Arredondados 11"/>
+          <p:cNvSpPr/>
+          <p:nvPr/>
+        </p:nvSpPr>
+        <p:spPr>
+          <a:xfrm>
+            <a:off x="2545158" y="894624"/>
+            <a:ext cx="1472650" cy="914400"/>
+          </a:xfrm>
+          <a:prstGeom prst="roundRect">
+            <a:avLst/>
+          </a:prstGeom>
+          <a:solidFill>
+            <a:schemeClr val="bg1">
+              <a:lumMod val="50000"/>
+            </a:schemeClr>
+          </a:solidFill>
+          <a:ln>
+            <a:noFill/>
+          </a:ln>
+        </p:spPr>
+        <p:style>
+          <a:lnRef idx="2">
+            <a:schemeClr val="accent1">
+              <a:shade val="50000"/>
+            </a:schemeClr>
+          </a:lnRef>
+          <a:fillRef idx="1">
+            <a:schemeClr val="accent1"/>
+          </a:fillRef>
+          <a:effectRef idx="0">
+            <a:schemeClr val="accent1"/>
+          </a:effectRef>
+          <a:fontRef idx="minor">
+            <a:schemeClr val="lt1"/>
+          </a:fontRef>
+        </p:style>
+        <p:txBody>
+          <a:bodyPr rtlCol="0" anchor="ctr"/>
+          <a:lstStyle/>
+          <a:p>
+            <a:pPr algn="ctr"/>
+            <a:r>
+              <a:rPr lang="pt-BR" sz="1600" dirty="0"/>
+              <a:t>Análise do intervalo de confiança</a:t>
+            </a:r>
+          </a:p>
+        </p:txBody>
+      </p:sp>
+      <p:sp>
+        <p:nvSpPr>
+          <p:cNvPr id="8" name="Retângulo: Cantos Arredondados 7"/>
+          <p:cNvSpPr/>
+          <p:nvPr/>
+        </p:nvSpPr>
+        <p:spPr>
+          <a:xfrm>
+            <a:off x="4128470" y="1016046"/>
+            <a:ext cx="3299548" cy="432000"/>
+          </a:xfrm>
+          <a:prstGeom prst="roundRect">
+            <a:avLst/>
+          </a:prstGeom>
+          <a:noFill/>
+          <a:ln>
+            <a:noFill/>
+          </a:ln>
+        </p:spPr>
+        <p:style>
+          <a:lnRef idx="2">
+            <a:schemeClr val="accent1">
+              <a:shade val="50000"/>
+            </a:schemeClr>
+          </a:lnRef>
+          <a:fillRef idx="1">
+            <a:schemeClr val="accent1"/>
+          </a:fillRef>
+          <a:effectRef idx="0">
+            <a:schemeClr val="accent1"/>
+          </a:effectRef>
+          <a:fontRef idx="minor">
+            <a:schemeClr val="lt1"/>
+          </a:fontRef>
+        </p:style>
+        <p:txBody>
+          <a:bodyPr rtlCol="0" anchor="ctr"/>
+          <a:lstStyle/>
+          <a:p>
+            <a:pPr algn="ctr"/>
+            <a:r>
+              <a:rPr lang="pt-BR" b="1" dirty="0">
+                <a:solidFill>
+                  <a:schemeClr val="bg1">
+                    <a:lumMod val="50000"/>
+                  </a:schemeClr>
+                </a:solidFill>
+              </a:rPr>
+              <a:t>Variação mensal de usuários cadastrados</a:t>
+            </a:r>
+          </a:p>
+        </p:txBody>
+      </p:sp>
+      <p:pic>
+        <p:nvPicPr>
+          <p:cNvPr id="9" name="Picture 2"/>
+          <p:cNvPicPr>
+            <a:picLocks noChangeAspect="1" noChangeArrowheads="1"/>
+          </p:cNvPicPr>
+          <p:nvPr/>
+        </p:nvPicPr>
+        <p:blipFill rotWithShape="1">
+          <a:blip r:embed="rId2">
+            <a:extLst>
+              <a:ext uri="{28A0092B-C50C-407E-A947-70E740481C1C}">
+                <a14:useLocalDpi xmlns:a14="http://schemas.microsoft.com/office/drawing/2010/main" val="0"/>
+              </a:ext>
+            </a:extLst>
+          </a:blip>
+          <a:srcRect l="25221" t="14436" r="29119" b="11072"/>
+          <a:stretch/>
+        </p:blipFill>
+        <p:spPr bwMode="auto">
+          <a:xfrm>
+            <a:off x="1029219" y="1891309"/>
+            <a:ext cx="5447012" cy="4996187"/>
+          </a:xfrm>
+          <a:prstGeom prst="rect">
+            <a:avLst/>
+          </a:prstGeom>
+          <a:noFill/>
+          <a:ln>
+            <a:noFill/>
+          </a:ln>
+          <a:extLst>
+            <a:ext uri="{909E8E84-426E-40DD-AFC4-6F175D3DCCD1}">
+              <a14:hiddenFill xmlns:a14="http://schemas.microsoft.com/office/drawing/2010/main">
+                <a:solidFill>
+                  <a:schemeClr val="accent1"/>
+                </a:solidFill>
+              </a14:hiddenFill>
+            </a:ext>
+            <a:ext uri="{91240B29-F687-4F45-9708-019B960494DF}">
+              <a14:hiddenLine xmlns:a14="http://schemas.microsoft.com/office/drawing/2010/main" w="9525">
+                <a:solidFill>
+                  <a:schemeClr val="tx1"/>
+                </a:solidFill>
+                <a:miter lim="800000"/>
+                <a:headEnd/>
+                <a:tailEnd/>
+              </a14:hiddenLine>
+            </a:ext>
+          </a:extLst>
+        </p:spPr>
+      </p:pic>
+    </p:spTree>
+    <p:extLst>
+      <p:ext uri="{BB962C8B-B14F-4D97-AF65-F5344CB8AC3E}">
+        <p14:creationId xmlns:p14="http://schemas.microsoft.com/office/powerpoint/2010/main" val="2531593623"/>
+      </p:ext>
+    </p:extLst>
+  </p:cSld>
+  <p:clrMapOvr>
+    <a:masterClrMapping/>
+  </p:clrMapOvr>
+</p:sld>
+</file>
+
+<file path=ppt/slides/slide19.xml><?xml version="1.0" encoding="utf-8"?>
+<p:sld xmlns:a="http://schemas.openxmlformats.org/drawingml/2006/main" xmlns:r="http://schemas.openxmlformats.org/officeDocument/2006/relationships" xmlns:p="http://schemas.openxmlformats.org/presentationml/2006/main" show="0">
+  <p:cSld>
+    <p:spTree>
+      <p:nvGrpSpPr>
+        <p:cNvPr id="1" name=""/>
+        <p:cNvGrpSpPr/>
+        <p:nvPr/>
+      </p:nvGrpSpPr>
+      <p:grpSpPr>
+        <a:xfrm>
+          <a:off x="0" y="0"/>
+          <a:ext cx="0" cy="0"/>
+          <a:chOff x="0" y="0"/>
+          <a:chExt cx="0" cy="0"/>
+        </a:xfrm>
+      </p:grpSpPr>
+      <p:sp>
+        <p:nvSpPr>
+          <p:cNvPr id="2" name="Retângulo: Cantos Arredondados 1"/>
+          <p:cNvSpPr/>
+          <p:nvPr/>
+        </p:nvSpPr>
+        <p:spPr>
+          <a:xfrm>
+            <a:off x="961846" y="894624"/>
+            <a:ext cx="1472650" cy="914400"/>
+          </a:xfrm>
+          <a:prstGeom prst="roundRect">
+            <a:avLst/>
+          </a:prstGeom>
+          <a:solidFill>
+            <a:schemeClr val="bg1">
+              <a:lumMod val="50000"/>
+            </a:schemeClr>
+          </a:solidFill>
+          <a:ln>
+            <a:noFill/>
+          </a:ln>
+        </p:spPr>
+        <p:style>
+          <a:lnRef idx="2">
+            <a:schemeClr val="accent1">
+              <a:shade val="50000"/>
+            </a:schemeClr>
+          </a:lnRef>
+          <a:fillRef idx="1">
+            <a:schemeClr val="accent1"/>
+          </a:fillRef>
+          <a:effectRef idx="0">
+            <a:schemeClr val="accent1"/>
+          </a:effectRef>
+          <a:fontRef idx="minor">
+            <a:schemeClr val="lt1"/>
+          </a:fontRef>
+        </p:style>
+        <p:txBody>
+          <a:bodyPr rtlCol="0" anchor="ctr"/>
+          <a:lstStyle/>
+          <a:p>
+            <a:pPr algn="ctr"/>
+            <a:r>
+              <a:rPr lang="pt-BR" sz="1600" dirty="0"/>
+              <a:t>Análise do intervalo de confiança</a:t>
+            </a:r>
+          </a:p>
+        </p:txBody>
+      </p:sp>
+      <p:sp>
+        <p:nvSpPr>
+          <p:cNvPr id="3" name="CaixaDeTexto 2"/>
+          <p:cNvSpPr txBox="1"/>
+          <p:nvPr/>
+        </p:nvSpPr>
+        <p:spPr>
+          <a:xfrm>
+            <a:off x="833120" y="267063"/>
+            <a:ext cx="8540797" cy="584775"/>
+          </a:xfrm>
+          <a:prstGeom prst="rect">
+            <a:avLst/>
+          </a:prstGeom>
+          <a:noFill/>
+        </p:spPr>
+        <p:txBody>
+          <a:bodyPr wrap="square" rtlCol="0" anchor="ctr">
+            <a:spAutoFit/>
+          </a:bodyPr>
+          <a:lstStyle>
+            <a:defPPr>
+              <a:defRPr lang="pt-BR"/>
+            </a:defPPr>
+            <a:lvl1pPr>
+              <a:defRPr sz="3200">
+                <a:solidFill>
+                  <a:srgbClr val="4C3D6C"/>
+                </a:solidFill>
+                <a:latin typeface="Bebas Neue" panose="020B0606020202050201" pitchFamily="34" charset="0"/>
+              </a:defRPr>
+            </a:lvl1pPr>
+          </a:lstStyle>
+          <a:p>
+            <a:r>
+              <a:rPr lang="pt-BR" dirty="0">
+                <a:latin typeface="Trebuchet MS" panose="020B0603020202020204" pitchFamily="34" charset="0"/>
+              </a:rPr>
+              <a:t>DESENVOLVIMENTO DO TRABALHO</a:t>
+            </a:r>
+          </a:p>
+        </p:txBody>
+      </p:sp>
+    </p:spTree>
+    <p:extLst>
+      <p:ext uri="{BB962C8B-B14F-4D97-AF65-F5344CB8AC3E}">
+        <p14:creationId xmlns:p14="http://schemas.microsoft.com/office/powerpoint/2010/main" val="2126957418"/>
+      </p:ext>
+    </p:extLst>
+  </p:cSld>
+  <p:clrMapOvr>
+    <a:masterClrMapping/>
+  </p:clrMapOvr>
+</p:sld>
+</file>
+
+<file path=ppt/slides/slide2.xml><?xml version="1.0" encoding="utf-8"?>
+<p:sld xmlns:a="http://schemas.openxmlformats.org/drawingml/2006/main" xmlns:r="http://schemas.openxmlformats.org/officeDocument/2006/relationships" xmlns:p="http://schemas.openxmlformats.org/presentationml/2006/main">
+  <p:cSld>
+    <p:spTree>
+      <p:nvGrpSpPr>
+        <p:cNvPr id="1" name=""/>
+        <p:cNvGrpSpPr/>
+        <p:nvPr/>
+      </p:nvGrpSpPr>
+      <p:grpSpPr>
+        <a:xfrm>
+          <a:off x="0" y="0"/>
+          <a:ext cx="0" cy="0"/>
+          <a:chOff x="0" y="0"/>
+          <a:chExt cx="0" cy="0"/>
+        </a:xfrm>
+      </p:grpSpPr>
+      <p:sp>
+        <p:nvSpPr>
+          <p:cNvPr id="2" name="Retângulo 1"/>
+          <p:cNvSpPr/>
+          <p:nvPr/>
+        </p:nvSpPr>
+        <p:spPr>
+          <a:xfrm>
+            <a:off x="833120" y="1132114"/>
+            <a:ext cx="4572000" cy="3309257"/>
+          </a:xfrm>
+          <a:prstGeom prst="rect">
+            <a:avLst/>
+          </a:prstGeom>
+          <a:noFill/>
+          <a:ln>
+            <a:noFill/>
+          </a:ln>
+        </p:spPr>
+        <p:style>
+          <a:lnRef idx="2">
+            <a:schemeClr val="accent1">
+              <a:shade val="50000"/>
+            </a:schemeClr>
+          </a:lnRef>
+          <a:fillRef idx="1">
+            <a:schemeClr val="accent1"/>
+          </a:fillRef>
+          <a:effectRef idx="0">
+            <a:schemeClr val="accent1"/>
+          </a:effectRef>
+          <a:fontRef idx="minor">
+            <a:schemeClr val="lt1"/>
+          </a:fontRef>
+        </p:style>
+        <p:txBody>
+          <a:bodyPr rtlCol="0" anchor="ctr"/>
+          <a:lstStyle/>
+          <a:p>
+            <a:pPr marL="285750" indent="-285750">
+              <a:lnSpc>
+                <a:spcPct val="200000"/>
+              </a:lnSpc>
+              <a:buFont typeface="Arial" panose="020B0604020202020204" pitchFamily="34" charset="0"/>
+              <a:buChar char="•"/>
+            </a:pPr>
+            <a:r>
+              <a:rPr lang="pt-BR" dirty="0">
+                <a:solidFill>
+                  <a:schemeClr val="bg1">
+                    <a:lumMod val="50000"/>
+                  </a:schemeClr>
+                </a:solidFill>
+              </a:rPr>
+              <a:t>Metodologia</a:t>
+            </a:r>
+          </a:p>
+          <a:p>
+            <a:pPr marL="285750" indent="-285750">
+              <a:lnSpc>
+                <a:spcPct val="200000"/>
+              </a:lnSpc>
+              <a:buFont typeface="Arial" panose="020B0604020202020204" pitchFamily="34" charset="0"/>
+              <a:buChar char="•"/>
+            </a:pPr>
+            <a:r>
+              <a:rPr lang="pt-BR" dirty="0">
+                <a:solidFill>
+                  <a:schemeClr val="bg1">
+                    <a:lumMod val="50000"/>
+                  </a:schemeClr>
+                </a:solidFill>
+              </a:rPr>
+              <a:t>Desenvolvimento do trabalho</a:t>
+            </a:r>
+          </a:p>
+          <a:p>
+            <a:pPr marL="285750" indent="-285750">
+              <a:lnSpc>
+                <a:spcPct val="200000"/>
+              </a:lnSpc>
+              <a:buFont typeface="Arial" panose="020B0604020202020204" pitchFamily="34" charset="0"/>
+              <a:buChar char="•"/>
+            </a:pPr>
+            <a:r>
+              <a:rPr lang="pt-BR" dirty="0">
+                <a:solidFill>
+                  <a:schemeClr val="bg1">
+                    <a:lumMod val="50000"/>
+                  </a:schemeClr>
+                </a:solidFill>
+              </a:rPr>
+              <a:t>Conclusões</a:t>
+            </a:r>
+          </a:p>
+          <a:p>
+            <a:pPr marL="285750" indent="-285750">
+              <a:lnSpc>
+                <a:spcPct val="200000"/>
+              </a:lnSpc>
+              <a:buFont typeface="Arial" panose="020B0604020202020204" pitchFamily="34" charset="0"/>
+              <a:buChar char="•"/>
+            </a:pPr>
+            <a:r>
+              <a:rPr lang="pt-BR" dirty="0">
+                <a:solidFill>
+                  <a:schemeClr val="bg1">
+                    <a:lumMod val="50000"/>
+                  </a:schemeClr>
+                </a:solidFill>
+              </a:rPr>
+              <a:t>Sugestões de trabalhos futuros</a:t>
+            </a:r>
+          </a:p>
+        </p:txBody>
+      </p:sp>
+      <p:sp>
+        <p:nvSpPr>
+          <p:cNvPr id="4" name="CaixaDeTexto 3"/>
+          <p:cNvSpPr txBox="1"/>
+          <p:nvPr/>
+        </p:nvSpPr>
+        <p:spPr>
+          <a:xfrm>
+            <a:off x="833120" y="267063"/>
+            <a:ext cx="8540797" cy="584775"/>
+          </a:xfrm>
+          <a:prstGeom prst="rect">
+            <a:avLst/>
+          </a:prstGeom>
+          <a:noFill/>
+        </p:spPr>
+        <p:txBody>
+          <a:bodyPr wrap="square" rtlCol="0" anchor="ctr">
+            <a:spAutoFit/>
+          </a:bodyPr>
+          <a:lstStyle>
+            <a:defPPr>
+              <a:defRPr lang="pt-BR"/>
+            </a:defPPr>
+            <a:lvl1pPr>
+              <a:defRPr sz="3200">
+                <a:solidFill>
+                  <a:srgbClr val="4C3D6C"/>
+                </a:solidFill>
+                <a:latin typeface="Bebas Neue" panose="020B0606020202050201" pitchFamily="34" charset="0"/>
+              </a:defRPr>
+            </a:lvl1pPr>
+          </a:lstStyle>
+          <a:p>
+            <a:r>
+              <a:rPr lang="pt-BR" dirty="0">
+                <a:latin typeface="Trebuchet MS" panose="020B0603020202020204" pitchFamily="34" charset="0"/>
+              </a:rPr>
+              <a:t>AGENDA</a:t>
+            </a:r>
+          </a:p>
+        </p:txBody>
+      </p:sp>
+    </p:spTree>
+    <p:extLst>
+      <p:ext uri="{BB962C8B-B14F-4D97-AF65-F5344CB8AC3E}">
+        <p14:creationId xmlns:p14="http://schemas.microsoft.com/office/powerpoint/2010/main" val="1180831128"/>
+      </p:ext>
+    </p:extLst>
+  </p:cSld>
+  <p:clrMapOvr>
+    <a:masterClrMapping/>
+  </p:clrMapOvr>
+</p:sld>
+</file>
+
+<file path=ppt/slides/slide20.xml><?xml version="1.0" encoding="utf-8"?>
+<p:sld xmlns:a="http://schemas.openxmlformats.org/drawingml/2006/main" xmlns:r="http://schemas.openxmlformats.org/officeDocument/2006/relationships" xmlns:p="http://schemas.openxmlformats.org/presentationml/2006/main">
+  <p:cSld>
+    <p:spTree>
+      <p:nvGrpSpPr>
+        <p:cNvPr id="1" name=""/>
+        <p:cNvGrpSpPr/>
+        <p:nvPr/>
+      </p:nvGrpSpPr>
+      <p:grpSpPr>
+        <a:xfrm>
+          <a:off x="0" y="0"/>
+          <a:ext cx="0" cy="0"/>
+          <a:chOff x="0" y="0"/>
+          <a:chExt cx="0" cy="0"/>
+        </a:xfrm>
+      </p:grpSpPr>
+      <p:sp>
+        <p:nvSpPr>
+          <p:cNvPr id="3" name="CaixaDeTexto 2"/>
+          <p:cNvSpPr txBox="1"/>
+          <p:nvPr/>
+        </p:nvSpPr>
+        <p:spPr>
+          <a:xfrm>
+            <a:off x="833120" y="267063"/>
+            <a:ext cx="8540797" cy="584775"/>
+          </a:xfrm>
+          <a:prstGeom prst="rect">
+            <a:avLst/>
+          </a:prstGeom>
+          <a:noFill/>
+        </p:spPr>
+        <p:txBody>
+          <a:bodyPr wrap="square" rtlCol="0" anchor="ctr">
+            <a:spAutoFit/>
+          </a:bodyPr>
+          <a:lstStyle>
+            <a:defPPr>
+              <a:defRPr lang="pt-BR"/>
+            </a:defPPr>
+            <a:lvl1pPr>
+              <a:defRPr sz="3200">
+                <a:solidFill>
+                  <a:srgbClr val="4C3D6C"/>
+                </a:solidFill>
+                <a:latin typeface="Bebas Neue" panose="020B0606020202050201" pitchFamily="34" charset="0"/>
+              </a:defRPr>
+            </a:lvl1pPr>
+          </a:lstStyle>
+          <a:p>
+            <a:r>
+              <a:rPr lang="pt-BR" dirty="0">
+                <a:latin typeface="Trebuchet MS" panose="020B0603020202020204" pitchFamily="34" charset="0"/>
+              </a:rPr>
               <a:t>CONCLUSÕES</a:t>
+            </a:r>
+          </a:p>
+        </p:txBody>
+      </p:sp>
+      <p:sp>
+        <p:nvSpPr>
+          <p:cNvPr id="4" name="Retângulo 3"/>
+          <p:cNvSpPr/>
+          <p:nvPr/>
+        </p:nvSpPr>
+        <p:spPr>
+          <a:xfrm>
+            <a:off x="1016359" y="1305824"/>
+            <a:ext cx="9838454" cy="3000704"/>
+          </a:xfrm>
+          <a:prstGeom prst="rect">
+            <a:avLst/>
+          </a:prstGeom>
+          <a:noFill/>
+          <a:ln>
+            <a:noFill/>
+          </a:ln>
+        </p:spPr>
+        <p:style>
+          <a:lnRef idx="2">
+            <a:schemeClr val="accent1">
+              <a:shade val="50000"/>
+            </a:schemeClr>
+          </a:lnRef>
+          <a:fillRef idx="1">
+            <a:schemeClr val="accent1"/>
+          </a:fillRef>
+          <a:effectRef idx="0">
+            <a:schemeClr val="accent1"/>
+          </a:effectRef>
+          <a:fontRef idx="minor">
+            <a:schemeClr val="lt1"/>
+          </a:fontRef>
+        </p:style>
+        <p:txBody>
+          <a:bodyPr rtlCol="0" anchor="ctr"/>
+          <a:lstStyle/>
+          <a:p>
+            <a:pPr marL="342900" indent="-342900">
+              <a:buFont typeface="Wingdings" panose="05000000000000000000" pitchFamily="2" charset="2"/>
+              <a:buChar char="ü"/>
+            </a:pPr>
+            <a:r>
+              <a:rPr lang="pt-BR" sz="2000" dirty="0">
+                <a:solidFill>
+                  <a:schemeClr val="bg1">
+                    <a:lumMod val="50000"/>
+                  </a:schemeClr>
+                </a:solidFill>
+              </a:rPr>
+              <a:t>O operador sample do </a:t>
+            </a:r>
+            <a:r>
+              <a:rPr lang="pt-BR" sz="2000" dirty="0" err="1">
+                <a:solidFill>
+                  <a:schemeClr val="bg1">
+                    <a:lumMod val="50000"/>
+                  </a:schemeClr>
+                </a:solidFill>
+              </a:rPr>
+              <a:t>MonetDB</a:t>
+            </a:r>
+            <a:r>
+              <a:rPr lang="pt-BR" sz="2000" dirty="0">
+                <a:solidFill>
+                  <a:schemeClr val="bg1">
+                    <a:lumMod val="50000"/>
+                  </a:schemeClr>
+                </a:solidFill>
+              </a:rPr>
+              <a:t> retorna registros com boa aleatoriedade, podendo ser utilizado para executar análises estatísticas</a:t>
+            </a:r>
+          </a:p>
+          <a:p>
+            <a:pPr marL="342900" indent="-342900">
+              <a:buFont typeface="Wingdings" panose="05000000000000000000" pitchFamily="2" charset="2"/>
+              <a:buChar char="ü"/>
+            </a:pPr>
+            <a:endParaRPr lang="pt-BR" sz="2000" dirty="0">
+              <a:solidFill>
+                <a:schemeClr val="bg1">
+                  <a:lumMod val="50000"/>
+                </a:schemeClr>
+              </a:solidFill>
+            </a:endParaRPr>
+          </a:p>
+          <a:p>
+            <a:pPr marL="342900" indent="-342900">
+              <a:buFont typeface="Wingdings" panose="05000000000000000000" pitchFamily="2" charset="2"/>
+              <a:buChar char="ü"/>
+            </a:pPr>
+            <a:r>
+              <a:rPr lang="pt-BR" sz="2000" dirty="0">
+                <a:solidFill>
+                  <a:schemeClr val="bg1">
+                    <a:lumMod val="50000"/>
+                  </a:schemeClr>
+                </a:solidFill>
+              </a:rPr>
+              <a:t>Não permite ainda fazer uma amostra estratificada diretamente</a:t>
+            </a:r>
+          </a:p>
+          <a:p>
+            <a:pPr marL="342900" indent="-342900">
+              <a:buFont typeface="Wingdings" panose="05000000000000000000" pitchFamily="2" charset="2"/>
+              <a:buChar char="ü"/>
+            </a:pPr>
+            <a:endParaRPr lang="pt-BR" sz="2000" dirty="0">
+              <a:solidFill>
+                <a:schemeClr val="bg1">
+                  <a:lumMod val="50000"/>
+                </a:schemeClr>
+              </a:solidFill>
+            </a:endParaRPr>
+          </a:p>
+          <a:p>
+            <a:pPr marL="342900" indent="-342900">
+              <a:buFont typeface="Wingdings" panose="05000000000000000000" pitchFamily="2" charset="2"/>
+              <a:buChar char="ü"/>
+            </a:pPr>
+            <a:r>
+              <a:rPr lang="pt-BR" sz="2000" dirty="0">
+                <a:solidFill>
+                  <a:schemeClr val="bg1">
+                    <a:lumMod val="50000"/>
+                  </a:schemeClr>
+                </a:solidFill>
+              </a:rPr>
+              <a:t>Demorou mais tempo para executar a consulta da amostra do que a base completa, não servindo como redutor de tempo</a:t>
             </a:r>
           </a:p>
         </p:txBody>
@@ -7050,7 +8306,7 @@
 </p:sld>
 </file>
 
-<file path=ppt/slides/slide18.xml><?xml version="1.0" encoding="utf-8"?>
+<file path=ppt/slides/slide21.xml><?xml version="1.0" encoding="utf-8"?>
 <p:sld xmlns:a="http://schemas.openxmlformats.org/drawingml/2006/main" xmlns:r="http://schemas.openxmlformats.org/officeDocument/2006/relationships" xmlns:p="http://schemas.openxmlformats.org/presentationml/2006/main">
   <p:cSld>
     <p:spTree>
@@ -7359,195 +8615,6 @@
     <p:extLst>
       <p:ext uri="{BB962C8B-B14F-4D97-AF65-F5344CB8AC3E}">
         <p14:creationId xmlns:p14="http://schemas.microsoft.com/office/powerpoint/2010/main" val="639981549"/>
-      </p:ext>
-    </p:extLst>
-  </p:cSld>
-  <p:clrMapOvr>
-    <a:masterClrMapping/>
-  </p:clrMapOvr>
-</p:sld>
-</file>
-
-<file path=ppt/slides/slide2.xml><?xml version="1.0" encoding="utf-8"?>
-<p:sld xmlns:a="http://schemas.openxmlformats.org/drawingml/2006/main" xmlns:r="http://schemas.openxmlformats.org/officeDocument/2006/relationships" xmlns:p="http://schemas.openxmlformats.org/presentationml/2006/main">
-  <p:cSld>
-    <p:spTree>
-      <p:nvGrpSpPr>
-        <p:cNvPr id="1" name=""/>
-        <p:cNvGrpSpPr/>
-        <p:nvPr/>
-      </p:nvGrpSpPr>
-      <p:grpSpPr>
-        <a:xfrm>
-          <a:off x="0" y="0"/>
-          <a:ext cx="0" cy="0"/>
-          <a:chOff x="0" y="0"/>
-          <a:chExt cx="0" cy="0"/>
-        </a:xfrm>
-      </p:grpSpPr>
-      <p:sp>
-        <p:nvSpPr>
-          <p:cNvPr id="2" name="Retângulo 1"/>
-          <p:cNvSpPr/>
-          <p:nvPr/>
-        </p:nvSpPr>
-        <p:spPr>
-          <a:xfrm>
-            <a:off x="833120" y="1132114"/>
-            <a:ext cx="4572000" cy="3309257"/>
-          </a:xfrm>
-          <a:prstGeom prst="rect">
-            <a:avLst/>
-          </a:prstGeom>
-          <a:noFill/>
-          <a:ln>
-            <a:noFill/>
-          </a:ln>
-        </p:spPr>
-        <p:style>
-          <a:lnRef idx="2">
-            <a:schemeClr val="accent1">
-              <a:shade val="50000"/>
-            </a:schemeClr>
-          </a:lnRef>
-          <a:fillRef idx="1">
-            <a:schemeClr val="accent1"/>
-          </a:fillRef>
-          <a:effectRef idx="0">
-            <a:schemeClr val="accent1"/>
-          </a:effectRef>
-          <a:fontRef idx="minor">
-            <a:schemeClr val="lt1"/>
-          </a:fontRef>
-        </p:style>
-        <p:txBody>
-          <a:bodyPr rtlCol="0" anchor="ctr"/>
-          <a:lstStyle/>
-          <a:p>
-            <a:pPr marL="285750" indent="-285750">
-              <a:lnSpc>
-                <a:spcPct val="200000"/>
-              </a:lnSpc>
-              <a:buFont typeface="Arial" panose="020B0604020202020204" pitchFamily="34" charset="0"/>
-              <a:buChar char="•"/>
-            </a:pPr>
-            <a:r>
-              <a:rPr lang="pt-BR" dirty="0">
-                <a:solidFill>
-                  <a:schemeClr val="bg1">
-                    <a:lumMod val="50000"/>
-                  </a:schemeClr>
-                </a:solidFill>
-              </a:rPr>
-              <a:t>Metodologia</a:t>
-            </a:r>
-          </a:p>
-          <a:p>
-            <a:pPr marL="285750" indent="-285750">
-              <a:lnSpc>
-                <a:spcPct val="200000"/>
-              </a:lnSpc>
-              <a:buFont typeface="Arial" panose="020B0604020202020204" pitchFamily="34" charset="0"/>
-              <a:buChar char="•"/>
-            </a:pPr>
-            <a:r>
-              <a:rPr lang="pt-BR" dirty="0">
-                <a:solidFill>
-                  <a:schemeClr val="bg1">
-                    <a:lumMod val="50000"/>
-                  </a:schemeClr>
-                </a:solidFill>
-              </a:rPr>
-              <a:t>Desenvolvimento do trabalho</a:t>
-            </a:r>
-          </a:p>
-          <a:p>
-            <a:pPr marL="285750" indent="-285750">
-              <a:lnSpc>
-                <a:spcPct val="200000"/>
-              </a:lnSpc>
-              <a:buFont typeface="Arial" panose="020B0604020202020204" pitchFamily="34" charset="0"/>
-              <a:buChar char="•"/>
-            </a:pPr>
-            <a:r>
-              <a:rPr lang="pt-BR" dirty="0">
-                <a:solidFill>
-                  <a:schemeClr val="bg1">
-                    <a:lumMod val="50000"/>
-                  </a:schemeClr>
-                </a:solidFill>
-              </a:rPr>
-              <a:t>Conclusões</a:t>
-            </a:r>
-          </a:p>
-          <a:p>
-            <a:pPr marL="285750" indent="-285750">
-              <a:lnSpc>
-                <a:spcPct val="200000"/>
-              </a:lnSpc>
-              <a:buFont typeface="Arial" panose="020B0604020202020204" pitchFamily="34" charset="0"/>
-              <a:buChar char="•"/>
-            </a:pPr>
-            <a:r>
-              <a:rPr lang="pt-BR" dirty="0">
-                <a:solidFill>
-                  <a:schemeClr val="bg1">
-                    <a:lumMod val="50000"/>
-                  </a:schemeClr>
-                </a:solidFill>
-              </a:rPr>
-              <a:t>Sugestões de trabalhos futuros</a:t>
-            </a:r>
-          </a:p>
-        </p:txBody>
-      </p:sp>
-      <p:sp>
-        <p:nvSpPr>
-          <p:cNvPr id="4" name="CaixaDeTexto 3"/>
-          <p:cNvSpPr txBox="1"/>
-          <p:nvPr/>
-        </p:nvSpPr>
-        <p:spPr>
-          <a:xfrm>
-            <a:off x="833120" y="267063"/>
-            <a:ext cx="8540797" cy="584775"/>
-          </a:xfrm>
-          <a:prstGeom prst="rect">
-            <a:avLst/>
-          </a:prstGeom>
-          <a:noFill/>
-        </p:spPr>
-        <p:txBody>
-          <a:bodyPr wrap="square" rtlCol="0" anchor="ctr">
-            <a:spAutoFit/>
-          </a:bodyPr>
-          <a:lstStyle>
-            <a:defPPr>
-              <a:defRPr lang="pt-BR"/>
-            </a:defPPr>
-            <a:lvl1pPr>
-              <a:defRPr sz="3200">
-                <a:solidFill>
-                  <a:srgbClr val="4C3D6C"/>
-                </a:solidFill>
-                <a:latin typeface="Bebas Neue" panose="020B0606020202050201" pitchFamily="34" charset="0"/>
-              </a:defRPr>
-            </a:lvl1pPr>
-          </a:lstStyle>
-          <a:p>
-            <a:r>
-              <a:rPr lang="pt-BR" dirty="0">
-                <a:latin typeface="Trebuchet MS" panose="020B0603020202020204" pitchFamily="34" charset="0"/>
-              </a:rPr>
-              <a:t>AGENDA</a:t>
-            </a:r>
-          </a:p>
-        </p:txBody>
-      </p:sp>
-    </p:spTree>
-    <p:extLst>
-      <p:ext uri="{BB962C8B-B14F-4D97-AF65-F5344CB8AC3E}">
-        <p14:creationId xmlns:p14="http://schemas.microsoft.com/office/powerpoint/2010/main" val="1180831128"/>
       </p:ext>
     </p:extLst>
   </p:cSld>

--- a/paper/Apresentação MonetDB v2.pptx
+++ b/paper/Apresentação MonetDB v2.pptx
@@ -3628,15 +3628,7 @@
             </a:r>
             <a:r>
               <a:rPr lang="pt-BR" dirty="0"/>
-              <a:t> Maristela </a:t>
-            </a:r>
-            <a:r>
-              <a:rPr lang="pt-BR" dirty="0" err="1"/>
-              <a:t>Hollanda</a:t>
-            </a:r>
-            <a:r>
-              <a:rPr lang="pt-BR" dirty="0"/>
-              <a:t> </a:t>
+              <a:t> Maristela Holanda </a:t>
             </a:r>
           </a:p>
         </p:txBody>
@@ -6439,66 +6431,26 @@
       </p:sp>
       <p:pic>
         <p:nvPicPr>
-          <p:cNvPr id="8" name="Picture 1"/>
+          <p:cNvPr id="6" name="Imagem 5"/>
           <p:cNvPicPr>
-            <a:picLocks noChangeAspect="1" noChangeArrowheads="1"/>
+            <a:picLocks noChangeAspect="1"/>
           </p:cNvPicPr>
           <p:nvPr/>
         </p:nvPicPr>
         <p:blipFill>
-          <a:blip r:embed="rId2">
-            <a:extLst>
-              <a:ext uri="{28A0092B-C50C-407E-A947-70E740481C1C}">
-                <a14:useLocalDpi xmlns:a14="http://schemas.microsoft.com/office/drawing/2010/main" val="0"/>
-              </a:ext>
-            </a:extLst>
-          </a:blip>
-          <a:srcRect/>
+          <a:blip r:embed="rId2"/>
           <a:stretch>
             <a:fillRect/>
           </a:stretch>
         </p:blipFill>
-        <p:spPr bwMode="auto">
-          <a:xfrm>
-            <a:off x="3551831" y="868272"/>
-            <a:ext cx="7872153" cy="6006162"/>
+        <p:spPr>
+          <a:xfrm>
+            <a:off x="3595950" y="922090"/>
+            <a:ext cx="7376850" cy="5863188"/>
           </a:xfrm>
           <a:prstGeom prst="rect">
             <a:avLst/>
           </a:prstGeom>
-          <a:noFill/>
-          <a:ln>
-            <a:noFill/>
-          </a:ln>
-          <a:effectLst/>
-          <a:extLst>
-            <a:ext uri="{909E8E84-426E-40DD-AFC4-6F175D3DCCD1}">
-              <a14:hiddenFill xmlns:a14="http://schemas.microsoft.com/office/drawing/2010/main">
-                <a:solidFill>
-                  <a:schemeClr val="accent1"/>
-                </a:solidFill>
-              </a14:hiddenFill>
-            </a:ext>
-            <a:ext uri="{91240B29-F687-4F45-9708-019B960494DF}">
-              <a14:hiddenLine xmlns:a14="http://schemas.microsoft.com/office/drawing/2010/main" w="9525">
-                <a:solidFill>
-                  <a:schemeClr val="tx1"/>
-                </a:solidFill>
-                <a:miter lim="800000"/>
-                <a:headEnd/>
-                <a:tailEnd/>
-              </a14:hiddenLine>
-            </a:ext>
-            <a:ext uri="{AF507438-7753-43E0-B8FC-AC1667EBCBE1}">
-              <a14:hiddenEffects xmlns:a14="http://schemas.microsoft.com/office/drawing/2010/main">
-                <a:effectLst>
-                  <a:outerShdw dist="35921" dir="2700000" algn="ctr" rotWithShape="0">
-                    <a:schemeClr val="bg2"/>
-                  </a:outerShdw>
-                </a:effectLst>
-              </a14:hiddenEffects>
-            </a:ext>
-          </a:extLst>
         </p:spPr>
       </p:pic>
       <p:sp>
@@ -6509,7 +6461,7 @@
         </p:nvSpPr>
         <p:spPr>
           <a:xfrm>
-            <a:off x="3362632" y="5368414"/>
+            <a:off x="3303640" y="5338918"/>
             <a:ext cx="8214852" cy="265471"/>
           </a:xfrm>
           <a:prstGeom prst="rect">
@@ -8377,7 +8329,7 @@
         <p:spPr>
           <a:xfrm>
             <a:off x="1371600" y="1719725"/>
-            <a:ext cx="0" cy="3276000"/>
+            <a:ext cx="0" cy="4320000"/>
           </a:xfrm>
           <a:prstGeom prst="line">
             <a:avLst/>
@@ -8411,10 +8363,10 @@
         </p:nvGrpSpPr>
         <p:grpSpPr>
           <a:xfrm>
-            <a:off x="1132840" y="3703164"/>
-            <a:ext cx="11059161" cy="954107"/>
-            <a:chOff x="1132840" y="2578446"/>
-            <a:chExt cx="11059161" cy="954107"/>
+            <a:off x="1132840" y="3760180"/>
+            <a:ext cx="11059161" cy="523220"/>
+            <a:chOff x="1132840" y="2740674"/>
+            <a:chExt cx="11059161" cy="523220"/>
           </a:xfrm>
         </p:grpSpPr>
         <p:sp>
@@ -8425,8 +8377,8 @@
           </p:nvSpPr>
           <p:spPr>
             <a:xfrm>
-              <a:off x="1849121" y="2578446"/>
-              <a:ext cx="10342880" cy="954107"/>
+              <a:off x="1849121" y="2740674"/>
+              <a:ext cx="10342880" cy="523220"/>
             </a:xfrm>
             <a:prstGeom prst="rect">
               <a:avLst/>
@@ -8443,7 +8395,7 @@
                 <a:rPr lang="pt-BR" sz="2800" dirty="0">
                   <a:latin typeface="Trebuchet MS" panose="020B0603020202020204" pitchFamily="34" charset="0"/>
                 </a:rPr>
-                <a:t>Verificar eficiência na previsão do volume de entradas e saídas de usuários na base</a:t>
+                <a:t>Executar outros testes de aleatoriedade</a:t>
               </a:r>
             </a:p>
           </p:txBody>
@@ -8571,6 +8523,100 @@
           <p:spPr>
             <a:xfrm>
               <a:off x="1122680" y="1938068"/>
+              <a:ext cx="477520" cy="477520"/>
+            </a:xfrm>
+            <a:prstGeom prst="ellipse">
+              <a:avLst/>
+            </a:prstGeom>
+            <a:solidFill>
+              <a:schemeClr val="accent4"/>
+            </a:solidFill>
+            <a:ln w="28575">
+              <a:solidFill>
+                <a:schemeClr val="tx1"/>
+              </a:solidFill>
+            </a:ln>
+          </p:spPr>
+          <p:style>
+            <a:lnRef idx="2">
+              <a:schemeClr val="accent1">
+                <a:shade val="50000"/>
+              </a:schemeClr>
+            </a:lnRef>
+            <a:fillRef idx="1">
+              <a:schemeClr val="accent1"/>
+            </a:fillRef>
+            <a:effectRef idx="0">
+              <a:schemeClr val="accent1"/>
+            </a:effectRef>
+            <a:fontRef idx="minor">
+              <a:schemeClr val="lt1"/>
+            </a:fontRef>
+          </p:style>
+          <p:txBody>
+            <a:bodyPr rtlCol="0" anchor="ctr"/>
+            <a:lstStyle/>
+            <a:p>
+              <a:pPr algn="ctr"/>
+              <a:endParaRPr lang="pt-BR"/>
+            </a:p>
+          </p:txBody>
+        </p:sp>
+      </p:grpSp>
+      <p:grpSp>
+        <p:nvGrpSpPr>
+          <p:cNvPr id="11" name="Agrupar 10"/>
+          <p:cNvGrpSpPr/>
+          <p:nvPr/>
+        </p:nvGrpSpPr>
+        <p:grpSpPr>
+          <a:xfrm>
+            <a:off x="1132840" y="5049098"/>
+            <a:ext cx="11059161" cy="523220"/>
+            <a:chOff x="1132840" y="2740674"/>
+            <a:chExt cx="11059161" cy="523220"/>
+          </a:xfrm>
+        </p:grpSpPr>
+        <p:sp>
+          <p:nvSpPr>
+            <p:cNvPr id="12" name="CaixaDeTexto 11"/>
+            <p:cNvSpPr txBox="1"/>
+            <p:nvPr/>
+          </p:nvSpPr>
+          <p:spPr>
+            <a:xfrm>
+              <a:off x="1849121" y="2740674"/>
+              <a:ext cx="10342880" cy="523220"/>
+            </a:xfrm>
+            <a:prstGeom prst="rect">
+              <a:avLst/>
+            </a:prstGeom>
+            <a:noFill/>
+          </p:spPr>
+          <p:txBody>
+            <a:bodyPr wrap="square" rtlCol="0">
+              <a:spAutoFit/>
+            </a:bodyPr>
+            <a:lstStyle/>
+            <a:p>
+              <a:r>
+                <a:rPr lang="pt-BR" sz="2800" dirty="0">
+                  <a:latin typeface="Trebuchet MS" panose="020B0603020202020204" pitchFamily="34" charset="0"/>
+                </a:rPr>
+                <a:t>Construir modelos preditivos a partir das amostras geradas</a:t>
+              </a:r>
+            </a:p>
+          </p:txBody>
+        </p:sp>
+        <p:sp>
+          <p:nvSpPr>
+            <p:cNvPr id="13" name="Elipse 12"/>
+            <p:cNvSpPr/>
+            <p:nvPr/>
+          </p:nvSpPr>
+          <p:spPr>
+            <a:xfrm>
+              <a:off x="1132840" y="2763520"/>
               <a:ext cx="477520" cy="477520"/>
             </a:xfrm>
             <a:prstGeom prst="ellipse">
@@ -9256,6 +9302,97 @@
           </a:p>
         </p:txBody>
       </p:sp>
+      <p:graphicFrame>
+        <p:nvGraphicFramePr>
+          <p:cNvPr id="3" name="Tabela 2"/>
+          <p:cNvGraphicFramePr>
+            <a:graphicFrameLocks noGrp="1"/>
+          </p:cNvGraphicFramePr>
+          <p:nvPr>
+            <p:extLst>
+              <p:ext uri="{D42A27DB-BD31-4B8C-83A1-F6EECF244321}">
+                <p14:modId xmlns:p14="http://schemas.microsoft.com/office/powerpoint/2010/main" val="1174361837"/>
+              </p:ext>
+            </p:extLst>
+          </p:nvPr>
+        </p:nvGraphicFramePr>
+        <p:xfrm>
+          <a:off x="2295371" y="5200337"/>
+          <a:ext cx="7896225" cy="640080"/>
+        </p:xfrm>
+        <a:graphic>
+          <a:graphicData uri="http://schemas.openxmlformats.org/drawingml/2006/table">
+            <a:tbl>
+              <a:tblPr/>
+              <a:tblGrid>
+                <a:gridCol w="7896225">
+                  <a:extLst>
+                    <a:ext uri="{9D8B030D-6E8A-4147-A177-3AD203B41FA5}">
+                      <a16:colId xmlns:a16="http://schemas.microsoft.com/office/drawing/2014/main" val="1933741654"/>
+                    </a:ext>
+                  </a:extLst>
+                </a:gridCol>
+              </a:tblGrid>
+              <a:tr h="0">
+                <a:tc>
+                  <a:txBody>
+                    <a:bodyPr/>
+                    <a:lstStyle/>
+                    <a:p>
+                      <a:pPr algn="l"/>
+                      <a:r>
+                        <a:rPr lang="en-US" b="0" i="1" u="none" strike="noStrike" dirty="0" err="1">
+                          <a:effectLst/>
+                        </a:rPr>
+                        <a:t>sample_column</a:t>
+                      </a:r>
+                      <a:r>
+                        <a:rPr lang="en-US" dirty="0">
+                          <a:effectLst/>
+                        </a:rPr>
+                        <a:t>:</a:t>
+                      </a:r>
+                      <a:br>
+                        <a:rPr lang="en-US" dirty="0">
+                          <a:effectLst/>
+                        </a:rPr>
+                      </a:br>
+                      <a:r>
+                        <a:rPr lang="en-US" dirty="0">
+                          <a:effectLst/>
+                        </a:rPr>
+                        <a:t>    SELECT ... FROM ... WHERE ... [ UNIFORM ] SAMPLE &lt;expr&gt;</a:t>
+                      </a:r>
+                    </a:p>
+                  </a:txBody>
+                  <a:tcPr>
+                    <a:lnL>
+                      <a:noFill/>
+                    </a:lnL>
+                    <a:lnR>
+                      <a:noFill/>
+                    </a:lnR>
+                    <a:lnT>
+                      <a:noFill/>
+                    </a:lnT>
+                    <a:lnB>
+                      <a:noFill/>
+                    </a:lnB>
+                    <a:solidFill>
+                      <a:srgbClr val="E8E8E8"/>
+                    </a:solidFill>
+                  </a:tcPr>
+                </a:tc>
+                <a:extLst>
+                  <a:ext uri="{0D108BD9-81ED-4DB2-BD59-A6C34878D82A}">
+                    <a16:rowId xmlns:a16="http://schemas.microsoft.com/office/drawing/2014/main" val="1171202170"/>
+                  </a:ext>
+                </a:extLst>
+              </a:tr>
+            </a:tbl>
+          </a:graphicData>
+        </a:graphic>
+      </p:graphicFrame>
     </p:spTree>
     <p:extLst>
       <p:ext uri="{BB962C8B-B14F-4D97-AF65-F5344CB8AC3E}">
